--- a/Subjects/PEA308 - ADVANCED ANALYTICAL SKILLS-II/Boats _ Streams New.pptx
+++ b/Subjects/PEA308 - ADVANCED ANALYTICAL SKILLS-II/Boats _ Streams New.pptx
@@ -5,29 +5,29 @@
     <p:sldMasterId id="2147483648" r:id="rId1"/>
   </p:sldMasterIdLst>
   <p:sldIdLst>
-    <p:sldId id="256" r:id="rId3"/>
-    <p:sldId id="257" r:id="rId4"/>
-    <p:sldId id="258" r:id="rId5"/>
-    <p:sldId id="259" r:id="rId6"/>
-    <p:sldId id="260" r:id="rId7"/>
-    <p:sldId id="261" r:id="rId8"/>
-    <p:sldId id="262" r:id="rId9"/>
-    <p:sldId id="263" r:id="rId10"/>
-    <p:sldId id="264" r:id="rId11"/>
-    <p:sldId id="265" r:id="rId12"/>
-    <p:sldId id="266" r:id="rId13"/>
-    <p:sldId id="267" r:id="rId14"/>
-    <p:sldId id="268" r:id="rId15"/>
-    <p:sldId id="269" r:id="rId16"/>
-    <p:sldId id="270" r:id="rId17"/>
-    <p:sldId id="271" r:id="rId18"/>
-    <p:sldId id="273" r:id="rId19"/>
-    <p:sldId id="274" r:id="rId20"/>
-    <p:sldId id="275" r:id="rId21"/>
-    <p:sldId id="276" r:id="rId22"/>
+    <p:sldId id="256" r:id="rId2"/>
+    <p:sldId id="257" r:id="rId3"/>
+    <p:sldId id="258" r:id="rId4"/>
+    <p:sldId id="259" r:id="rId5"/>
+    <p:sldId id="260" r:id="rId6"/>
+    <p:sldId id="261" r:id="rId7"/>
+    <p:sldId id="262" r:id="rId8"/>
+    <p:sldId id="263" r:id="rId9"/>
+    <p:sldId id="264" r:id="rId10"/>
+    <p:sldId id="265" r:id="rId11"/>
+    <p:sldId id="266" r:id="rId12"/>
+    <p:sldId id="267" r:id="rId13"/>
+    <p:sldId id="268" r:id="rId14"/>
+    <p:sldId id="269" r:id="rId15"/>
+    <p:sldId id="270" r:id="rId16"/>
+    <p:sldId id="271" r:id="rId17"/>
+    <p:sldId id="273" r:id="rId18"/>
+    <p:sldId id="274" r:id="rId19"/>
+    <p:sldId id="275" r:id="rId20"/>
+    <p:sldId id="276" r:id="rId21"/>
   </p:sldIdLst>
-  <p:sldSz cx="9144000" cy="6858000"/>
-  <p:notesSz cx="7559675" cy="10691495"/>
+  <p:sldSz cx="9144000" cy="6858000" type="screen4x3"/>
+  <p:notesSz cx="7559675" cy="10691813"/>
   <p:defaultTextStyle>
     <a:lvl1pPr marL="0" algn="l" defTabSz="914400" rtl="0" eaLnBrk="1" latinLnBrk="0" hangingPunct="1">
       <a:defRPr sz="1800" kern="1200">
@@ -120,6 +120,11 @@
       </a:defRPr>
     </a:lvl9pPr>
   </p:defaultTextStyle>
+  <p:extLst>
+    <p:ext uri="{EFAFB233-063F-42B5-8137-9DF3F51BA10A}">
+      <p15:sldGuideLst xmlns:p15="http://schemas.microsoft.com/office/powerpoint/2012/main"/>
+    </p:ext>
+  </p:extLst>
 </p:presentation>
 </file>
 
@@ -153,6 +158,7 @@
         <p:spPr/>
         <p:txBody>
           <a:bodyPr/>
+          <a:lstStyle/>
           <a:p>
             <a:r>
               <a:t>Footer</a:t>
@@ -173,9 +179,11 @@
         <p:spPr/>
         <p:txBody>
           <a:bodyPr/>
+          <a:lstStyle/>
           <a:p>
             <a:fld id="{1BAF8A9E-EB3B-40CB-A121-BDA4679C846A}" type="slidenum">
               <a:rPr/>
+              <a:t>‹#›</a:t>
             </a:fld>
             <a:endParaRPr/>
           </a:p>
@@ -194,6 +202,7 @@
         <p:spPr/>
         <p:txBody>
           <a:bodyPr/>
+          <a:lstStyle/>
           <a:p>
             <a:endParaRPr lang="en-IN"/>
           </a:p>
@@ -251,6 +260,7 @@
           <a:bodyPr lIns="0" tIns="0" rIns="0" bIns="0" anchor="ctr">
             <a:noAutofit/>
           </a:bodyPr>
+          <a:lstStyle/>
           <a:p>
             <a:endParaRPr lang="en-US" sz="1800" b="0" strike="noStrike" spc="-1">
               <a:solidFill>
@@ -288,6 +298,7 @@
           <a:bodyPr lIns="0" tIns="0" rIns="0" bIns="0" anchor="t">
             <a:normAutofit/>
           </a:bodyPr>
+          <a:lstStyle/>
           <a:p>
             <a:pPr>
               <a:lnSpc>
@@ -334,6 +345,7 @@
           <a:bodyPr lIns="0" tIns="0" rIns="0" bIns="0" anchor="t">
             <a:normAutofit/>
           </a:bodyPr>
+          <a:lstStyle/>
           <a:p>
             <a:pPr>
               <a:lnSpc>
@@ -366,6 +378,7 @@
         <p:spPr/>
         <p:txBody>
           <a:bodyPr/>
+          <a:lstStyle/>
           <a:p>
             <a:r>
               <a:t>Footer</a:t>
@@ -386,9 +399,11 @@
         <p:spPr/>
         <p:txBody>
           <a:bodyPr/>
+          <a:lstStyle/>
           <a:p>
             <a:fld id="{D8822505-039A-4891-900F-81C2D7E02FB0}" type="slidenum">
               <a:rPr/>
+              <a:t>‹#›</a:t>
             </a:fld>
             <a:endParaRPr/>
           </a:p>
@@ -407,6 +422,7 @@
         <p:spPr/>
         <p:txBody>
           <a:bodyPr/>
+          <a:lstStyle/>
           <a:p>
             <a:endParaRPr lang="en-IN"/>
           </a:p>
@@ -464,6 +480,7 @@
           <a:bodyPr lIns="0" tIns="0" rIns="0" bIns="0" anchor="ctr">
             <a:noAutofit/>
           </a:bodyPr>
+          <a:lstStyle/>
           <a:p>
             <a:endParaRPr lang="en-US" sz="1800" b="0" strike="noStrike" spc="-1">
               <a:solidFill>
@@ -501,6 +518,7 @@
           <a:bodyPr lIns="0" tIns="0" rIns="0" bIns="0" anchor="t">
             <a:normAutofit/>
           </a:bodyPr>
+          <a:lstStyle/>
           <a:p>
             <a:pPr>
               <a:lnSpc>
@@ -547,6 +565,7 @@
           <a:bodyPr lIns="0" tIns="0" rIns="0" bIns="0" anchor="t">
             <a:normAutofit/>
           </a:bodyPr>
+          <a:lstStyle/>
           <a:p>
             <a:pPr>
               <a:lnSpc>
@@ -593,6 +612,7 @@
           <a:bodyPr lIns="0" tIns="0" rIns="0" bIns="0" anchor="t">
             <a:normAutofit/>
           </a:bodyPr>
+          <a:lstStyle/>
           <a:p>
             <a:pPr>
               <a:lnSpc>
@@ -639,6 +659,7 @@
           <a:bodyPr lIns="0" tIns="0" rIns="0" bIns="0" anchor="t">
             <a:normAutofit/>
           </a:bodyPr>
+          <a:lstStyle/>
           <a:p>
             <a:pPr>
               <a:lnSpc>
@@ -671,6 +692,7 @@
         <p:spPr/>
         <p:txBody>
           <a:bodyPr/>
+          <a:lstStyle/>
           <a:p>
             <a:r>
               <a:t>Footer</a:t>
@@ -691,9 +713,11 @@
         <p:spPr/>
         <p:txBody>
           <a:bodyPr/>
+          <a:lstStyle/>
           <a:p>
             <a:fld id="{61507F44-A84D-4FF6-A34A-91D74AFEC6E3}" type="slidenum">
               <a:rPr/>
+              <a:t>‹#›</a:t>
             </a:fld>
             <a:endParaRPr/>
           </a:p>
@@ -712,6 +736,7 @@
         <p:spPr/>
         <p:txBody>
           <a:bodyPr/>
+          <a:lstStyle/>
           <a:p>
             <a:endParaRPr lang="en-IN"/>
           </a:p>
@@ -769,6 +794,7 @@
           <a:bodyPr lIns="0" tIns="0" rIns="0" bIns="0" anchor="ctr">
             <a:noAutofit/>
           </a:bodyPr>
+          <a:lstStyle/>
           <a:p>
             <a:endParaRPr lang="en-US" sz="1800" b="0" strike="noStrike" spc="-1">
               <a:solidFill>
@@ -806,6 +832,7 @@
           <a:bodyPr lIns="0" tIns="0" rIns="0" bIns="0" anchor="t">
             <a:normAutofit/>
           </a:bodyPr>
+          <a:lstStyle/>
           <a:p>
             <a:pPr>
               <a:lnSpc>
@@ -852,6 +879,7 @@
           <a:bodyPr lIns="0" tIns="0" rIns="0" bIns="0" anchor="t">
             <a:normAutofit/>
           </a:bodyPr>
+          <a:lstStyle/>
           <a:p>
             <a:pPr>
               <a:lnSpc>
@@ -898,6 +926,7 @@
           <a:bodyPr lIns="0" tIns="0" rIns="0" bIns="0" anchor="t">
             <a:normAutofit/>
           </a:bodyPr>
+          <a:lstStyle/>
           <a:p>
             <a:pPr>
               <a:lnSpc>
@@ -944,6 +973,7 @@
           <a:bodyPr lIns="0" tIns="0" rIns="0" bIns="0" anchor="t">
             <a:normAutofit/>
           </a:bodyPr>
+          <a:lstStyle/>
           <a:p>
             <a:pPr>
               <a:lnSpc>
@@ -990,6 +1020,7 @@
           <a:bodyPr lIns="0" tIns="0" rIns="0" bIns="0" anchor="t">
             <a:normAutofit/>
           </a:bodyPr>
+          <a:lstStyle/>
           <a:p>
             <a:pPr>
               <a:lnSpc>
@@ -1036,6 +1067,7 @@
           <a:bodyPr lIns="0" tIns="0" rIns="0" bIns="0" anchor="t">
             <a:normAutofit/>
           </a:bodyPr>
+          <a:lstStyle/>
           <a:p>
             <a:pPr>
               <a:lnSpc>
@@ -1068,6 +1100,7 @@
         <p:spPr/>
         <p:txBody>
           <a:bodyPr/>
+          <a:lstStyle/>
           <a:p>
             <a:r>
               <a:t>Footer</a:t>
@@ -1088,9 +1121,11 @@
         <p:spPr/>
         <p:txBody>
           <a:bodyPr/>
+          <a:lstStyle/>
           <a:p>
             <a:fld id="{0EA7DD0D-B6C1-4263-973B-56A2DE03B227}" type="slidenum">
               <a:rPr/>
+              <a:t>‹#›</a:t>
             </a:fld>
             <a:endParaRPr/>
           </a:p>
@@ -1109,6 +1144,7 @@
         <p:spPr/>
         <p:txBody>
           <a:bodyPr/>
+          <a:lstStyle/>
           <a:p>
             <a:endParaRPr lang="en-IN"/>
           </a:p>
@@ -1166,6 +1202,7 @@
           <a:bodyPr lIns="0" tIns="0" rIns="0" bIns="0" anchor="ctr">
             <a:noAutofit/>
           </a:bodyPr>
+          <a:lstStyle/>
           <a:p>
             <a:endParaRPr lang="en-US" sz="1800" b="0" strike="noStrike" spc="-1">
               <a:solidFill>
@@ -1203,6 +1240,7 @@
           <a:bodyPr lIns="0" tIns="0" rIns="0" bIns="0" anchor="ctr">
             <a:noAutofit/>
           </a:bodyPr>
+          <a:lstStyle/>
           <a:p>
             <a:pPr algn="ctr">
               <a:buNone/>
@@ -1226,6 +1264,7 @@
         <p:spPr/>
         <p:txBody>
           <a:bodyPr/>
+          <a:lstStyle/>
           <a:p>
             <a:r>
               <a:t>Footer</a:t>
@@ -1246,9 +1285,11 @@
         <p:spPr/>
         <p:txBody>
           <a:bodyPr/>
+          <a:lstStyle/>
           <a:p>
             <a:fld id="{AC3DD3E3-F5E6-47D9-A2BA-DA9085417C01}" type="slidenum">
               <a:rPr/>
+              <a:t>‹#›</a:t>
             </a:fld>
             <a:endParaRPr/>
           </a:p>
@@ -1267,6 +1308,7 @@
         <p:spPr/>
         <p:txBody>
           <a:bodyPr/>
+          <a:lstStyle/>
           <a:p>
             <a:endParaRPr lang="en-IN"/>
           </a:p>
@@ -1324,6 +1366,7 @@
           <a:bodyPr lIns="0" tIns="0" rIns="0" bIns="0" anchor="ctr">
             <a:noAutofit/>
           </a:bodyPr>
+          <a:lstStyle/>
           <a:p>
             <a:endParaRPr lang="en-US" sz="1800" b="0" strike="noStrike" spc="-1">
               <a:solidFill>
@@ -1361,6 +1404,7 @@
           <a:bodyPr lIns="0" tIns="0" rIns="0" bIns="0" anchor="t">
             <a:normAutofit/>
           </a:bodyPr>
+          <a:lstStyle/>
           <a:p>
             <a:pPr>
               <a:lnSpc>
@@ -1393,6 +1437,7 @@
         <p:spPr/>
         <p:txBody>
           <a:bodyPr/>
+          <a:lstStyle/>
           <a:p>
             <a:r>
               <a:t>Footer</a:t>
@@ -1413,9 +1458,11 @@
         <p:spPr/>
         <p:txBody>
           <a:bodyPr/>
+          <a:lstStyle/>
           <a:p>
             <a:fld id="{6C910579-201F-4626-88F1-383CB71E776C}" type="slidenum">
               <a:rPr/>
+              <a:t>‹#›</a:t>
             </a:fld>
             <a:endParaRPr/>
           </a:p>
@@ -1434,6 +1481,7 @@
         <p:spPr/>
         <p:txBody>
           <a:bodyPr/>
+          <a:lstStyle/>
           <a:p>
             <a:endParaRPr lang="en-IN"/>
           </a:p>
@@ -1491,6 +1539,7 @@
           <a:bodyPr lIns="0" tIns="0" rIns="0" bIns="0" anchor="ctr">
             <a:noAutofit/>
           </a:bodyPr>
+          <a:lstStyle/>
           <a:p>
             <a:endParaRPr lang="en-US" sz="1800" b="0" strike="noStrike" spc="-1">
               <a:solidFill>
@@ -1528,6 +1577,7 @@
           <a:bodyPr lIns="0" tIns="0" rIns="0" bIns="0" anchor="t">
             <a:normAutofit/>
           </a:bodyPr>
+          <a:lstStyle/>
           <a:p>
             <a:pPr>
               <a:lnSpc>
@@ -1574,6 +1624,7 @@
           <a:bodyPr lIns="0" tIns="0" rIns="0" bIns="0" anchor="t">
             <a:normAutofit/>
           </a:bodyPr>
+          <a:lstStyle/>
           <a:p>
             <a:pPr>
               <a:lnSpc>
@@ -1606,6 +1657,7 @@
         <p:spPr/>
         <p:txBody>
           <a:bodyPr/>
+          <a:lstStyle/>
           <a:p>
             <a:r>
               <a:t>Footer</a:t>
@@ -1626,9 +1678,11 @@
         <p:spPr/>
         <p:txBody>
           <a:bodyPr/>
+          <a:lstStyle/>
           <a:p>
             <a:fld id="{126AB36D-FC4F-4E41-8572-9ECDD747A315}" type="slidenum">
               <a:rPr/>
+              <a:t>‹#›</a:t>
             </a:fld>
             <a:endParaRPr/>
           </a:p>
@@ -1647,6 +1701,7 @@
         <p:spPr/>
         <p:txBody>
           <a:bodyPr/>
+          <a:lstStyle/>
           <a:p>
             <a:endParaRPr lang="en-IN"/>
           </a:p>
@@ -1704,6 +1759,7 @@
           <a:bodyPr lIns="0" tIns="0" rIns="0" bIns="0" anchor="ctr">
             <a:noAutofit/>
           </a:bodyPr>
+          <a:lstStyle/>
           <a:p>
             <a:endParaRPr lang="en-US" sz="1800" b="0" strike="noStrike" spc="-1">
               <a:solidFill>
@@ -1727,6 +1783,7 @@
         <p:spPr/>
         <p:txBody>
           <a:bodyPr/>
+          <a:lstStyle/>
           <a:p>
             <a:r>
               <a:t>Footer</a:t>
@@ -1747,9 +1804,11 @@
         <p:spPr/>
         <p:txBody>
           <a:bodyPr/>
+          <a:lstStyle/>
           <a:p>
             <a:fld id="{CD939899-F710-4BAA-888D-396773A11A72}" type="slidenum">
               <a:rPr/>
+              <a:t>‹#›</a:t>
             </a:fld>
             <a:endParaRPr/>
           </a:p>
@@ -1768,6 +1827,7 @@
         <p:spPr/>
         <p:txBody>
           <a:bodyPr/>
+          <a:lstStyle/>
           <a:p>
             <a:endParaRPr lang="en-IN"/>
           </a:p>
@@ -1825,6 +1885,7 @@
           <a:bodyPr lIns="0" tIns="0" rIns="0" bIns="0" anchor="ctr">
             <a:noAutofit/>
           </a:bodyPr>
+          <a:lstStyle/>
           <a:p>
             <a:pPr algn="ctr">
               <a:buNone/>
@@ -1848,6 +1909,7 @@
         <p:spPr/>
         <p:txBody>
           <a:bodyPr/>
+          <a:lstStyle/>
           <a:p>
             <a:r>
               <a:t>Footer</a:t>
@@ -1868,9 +1930,11 @@
         <p:spPr/>
         <p:txBody>
           <a:bodyPr/>
+          <a:lstStyle/>
           <a:p>
             <a:fld id="{D4FAFEE6-BF6B-4167-945D-CB89A2CBF3E2}" type="slidenum">
               <a:rPr/>
+              <a:t>‹#›</a:t>
             </a:fld>
             <a:endParaRPr/>
           </a:p>
@@ -1889,6 +1953,7 @@
         <p:spPr/>
         <p:txBody>
           <a:bodyPr/>
+          <a:lstStyle/>
           <a:p>
             <a:endParaRPr lang="en-IN"/>
           </a:p>
@@ -1946,6 +2011,7 @@
           <a:bodyPr lIns="0" tIns="0" rIns="0" bIns="0" anchor="ctr">
             <a:noAutofit/>
           </a:bodyPr>
+          <a:lstStyle/>
           <a:p>
             <a:endParaRPr lang="en-US" sz="1800" b="0" strike="noStrike" spc="-1">
               <a:solidFill>
@@ -1983,6 +2049,7 @@
           <a:bodyPr lIns="0" tIns="0" rIns="0" bIns="0" anchor="t">
             <a:normAutofit/>
           </a:bodyPr>
+          <a:lstStyle/>
           <a:p>
             <a:pPr>
               <a:lnSpc>
@@ -2029,6 +2096,7 @@
           <a:bodyPr lIns="0" tIns="0" rIns="0" bIns="0" anchor="t">
             <a:normAutofit/>
           </a:bodyPr>
+          <a:lstStyle/>
           <a:p>
             <a:pPr>
               <a:lnSpc>
@@ -2075,6 +2143,7 @@
           <a:bodyPr lIns="0" tIns="0" rIns="0" bIns="0" anchor="t">
             <a:normAutofit/>
           </a:bodyPr>
+          <a:lstStyle/>
           <a:p>
             <a:pPr>
               <a:lnSpc>
@@ -2107,6 +2176,7 @@
         <p:spPr/>
         <p:txBody>
           <a:bodyPr/>
+          <a:lstStyle/>
           <a:p>
             <a:r>
               <a:t>Footer</a:t>
@@ -2127,9 +2197,11 @@
         <p:spPr/>
         <p:txBody>
           <a:bodyPr/>
+          <a:lstStyle/>
           <a:p>
             <a:fld id="{FAA9396A-ED24-410A-9DAC-C9AE9D6C4C4E}" type="slidenum">
               <a:rPr/>
+              <a:t>‹#›</a:t>
             </a:fld>
             <a:endParaRPr/>
           </a:p>
@@ -2148,6 +2220,7 @@
         <p:spPr/>
         <p:txBody>
           <a:bodyPr/>
+          <a:lstStyle/>
           <a:p>
             <a:endParaRPr lang="en-IN"/>
           </a:p>
@@ -2205,6 +2278,7 @@
           <a:bodyPr lIns="0" tIns="0" rIns="0" bIns="0" anchor="ctr">
             <a:noAutofit/>
           </a:bodyPr>
+          <a:lstStyle/>
           <a:p>
             <a:endParaRPr lang="en-US" sz="1800" b="0" strike="noStrike" spc="-1">
               <a:solidFill>
@@ -2242,6 +2316,7 @@
           <a:bodyPr lIns="0" tIns="0" rIns="0" bIns="0" anchor="t">
             <a:normAutofit/>
           </a:bodyPr>
+          <a:lstStyle/>
           <a:p>
             <a:pPr>
               <a:lnSpc>
@@ -2288,6 +2363,7 @@
           <a:bodyPr lIns="0" tIns="0" rIns="0" bIns="0" anchor="t">
             <a:normAutofit/>
           </a:bodyPr>
+          <a:lstStyle/>
           <a:p>
             <a:pPr>
               <a:lnSpc>
@@ -2334,6 +2410,7 @@
           <a:bodyPr lIns="0" tIns="0" rIns="0" bIns="0" anchor="t">
             <a:normAutofit/>
           </a:bodyPr>
+          <a:lstStyle/>
           <a:p>
             <a:pPr>
               <a:lnSpc>
@@ -2366,6 +2443,7 @@
         <p:spPr/>
         <p:txBody>
           <a:bodyPr/>
+          <a:lstStyle/>
           <a:p>
             <a:r>
               <a:t>Footer</a:t>
@@ -2386,9 +2464,11 @@
         <p:spPr/>
         <p:txBody>
           <a:bodyPr/>
+          <a:lstStyle/>
           <a:p>
             <a:fld id="{F570B3E7-7752-4187-B585-B5A4D7540579}" type="slidenum">
               <a:rPr/>
+              <a:t>‹#›</a:t>
             </a:fld>
             <a:endParaRPr/>
           </a:p>
@@ -2407,6 +2487,7 @@
         <p:spPr/>
         <p:txBody>
           <a:bodyPr/>
+          <a:lstStyle/>
           <a:p>
             <a:endParaRPr lang="en-IN"/>
           </a:p>
@@ -2464,6 +2545,7 @@
           <a:bodyPr lIns="0" tIns="0" rIns="0" bIns="0" anchor="ctr">
             <a:noAutofit/>
           </a:bodyPr>
+          <a:lstStyle/>
           <a:p>
             <a:endParaRPr lang="en-US" sz="1800" b="0" strike="noStrike" spc="-1">
               <a:solidFill>
@@ -2501,6 +2583,7 @@
           <a:bodyPr lIns="0" tIns="0" rIns="0" bIns="0" anchor="t">
             <a:normAutofit/>
           </a:bodyPr>
+          <a:lstStyle/>
           <a:p>
             <a:pPr>
               <a:lnSpc>
@@ -2547,6 +2630,7 @@
           <a:bodyPr lIns="0" tIns="0" rIns="0" bIns="0" anchor="t">
             <a:normAutofit/>
           </a:bodyPr>
+          <a:lstStyle/>
           <a:p>
             <a:pPr>
               <a:lnSpc>
@@ -2593,6 +2677,7 @@
           <a:bodyPr lIns="0" tIns="0" rIns="0" bIns="0" anchor="t">
             <a:normAutofit/>
           </a:bodyPr>
+          <a:lstStyle/>
           <a:p>
             <a:pPr>
               <a:lnSpc>
@@ -2625,6 +2710,7 @@
         <p:spPr/>
         <p:txBody>
           <a:bodyPr/>
+          <a:lstStyle/>
           <a:p>
             <a:r>
               <a:t>Footer</a:t>
@@ -2645,9 +2731,11 @@
         <p:spPr/>
         <p:txBody>
           <a:bodyPr/>
+          <a:lstStyle/>
           <a:p>
             <a:fld id="{CFAF4040-F02E-4F07-BFFD-0CDDF63F5E0D}" type="slidenum">
               <a:rPr/>
+              <a:t>‹#›</a:t>
             </a:fld>
             <a:endParaRPr/>
           </a:p>
@@ -2666,6 +2754,7 @@
         <p:spPr/>
         <p:txBody>
           <a:bodyPr/>
+          <a:lstStyle/>
           <a:p>
             <a:endParaRPr lang="en-IN"/>
           </a:p>
@@ -2706,7 +2795,7 @@
       </p:grpSpPr>
       <p:sp>
         <p:nvSpPr>
-          <p:cNvPr id="0" name="PlaceHolder 1"/>
+          <p:cNvPr id="6" name="PlaceHolder 1"/>
           <p:cNvSpPr>
             <a:spLocks noGrp="1"/>
           </p:cNvSpPr>
@@ -2731,6 +2820,7 @@
           <a:bodyPr anchor="ctr">
             <a:noAutofit/>
           </a:bodyPr>
+          <a:lstStyle/>
           <a:p>
             <a:pPr>
               <a:lnSpc>
@@ -2783,6 +2873,7 @@
           <a:bodyPr anchor="t">
             <a:noAutofit/>
           </a:bodyPr>
+          <a:lstStyle/>
           <a:p>
             <a:pPr marL="171450" indent="-171450">
               <a:lnSpc>
@@ -2806,12 +2897,6 @@
               </a:rPr>
               <a:t>Click to edit Master text styles</a:t>
             </a:r>
-            <a:endParaRPr lang="en-US" sz="2100" b="0" strike="noStrike" spc="-1">
-              <a:solidFill>
-                <a:srgbClr val="000000"/>
-              </a:solidFill>
-              <a:latin typeface="Calibri" panose="020F0502020204030204"/>
-            </a:endParaRPr>
           </a:p>
           <a:p>
             <a:pPr marL="514350" lvl="1" indent="-171450">
@@ -2836,12 +2921,6 @@
               </a:rPr>
               <a:t>Second level</a:t>
             </a:r>
-            <a:endParaRPr lang="en-US" sz="1800" b="0" strike="noStrike" spc="-1">
-              <a:solidFill>
-                <a:srgbClr val="000000"/>
-              </a:solidFill>
-              <a:latin typeface="Calibri" panose="020F0502020204030204"/>
-            </a:endParaRPr>
           </a:p>
           <a:p>
             <a:pPr marL="857250" lvl="2" indent="-171450">
@@ -2866,12 +2945,6 @@
               </a:rPr>
               <a:t>Third level</a:t>
             </a:r>
-            <a:endParaRPr lang="en-US" sz="1500" b="0" strike="noStrike" spc="-1">
-              <a:solidFill>
-                <a:srgbClr val="000000"/>
-              </a:solidFill>
-              <a:latin typeface="Calibri" panose="020F0502020204030204"/>
-            </a:endParaRPr>
           </a:p>
           <a:p>
             <a:pPr marL="1200150" lvl="3" indent="-171450">
@@ -2896,12 +2969,6 @@
               </a:rPr>
               <a:t>Fourth level</a:t>
             </a:r>
-            <a:endParaRPr lang="en-US" sz="1350" b="0" strike="noStrike" spc="-1">
-              <a:solidFill>
-                <a:srgbClr val="000000"/>
-              </a:solidFill>
-              <a:latin typeface="Calibri" panose="020F0502020204030204"/>
-            </a:endParaRPr>
           </a:p>
           <a:p>
             <a:pPr marL="1543050" lvl="4" indent="-171450">
@@ -2926,12 +2993,6 @@
               </a:rPr>
               <a:t>Fifth level</a:t>
             </a:r>
-            <a:endParaRPr lang="en-US" sz="1350" b="0" strike="noStrike" spc="-1">
-              <a:solidFill>
-                <a:srgbClr val="000000"/>
-              </a:solidFill>
-              <a:latin typeface="Calibri" panose="020F0502020204030204"/>
-            </a:endParaRPr>
           </a:p>
         </p:txBody>
       </p:sp>
@@ -3043,9 +3104,6 @@
               </a:rPr>
               <a:t>&lt;footer&gt;</a:t>
             </a:r>
-            <a:endParaRPr lang="en-IN" sz="1400" b="0" strike="noStrike" spc="-1">
-              <a:latin typeface="Times New Roman" panose="02020603050405020304"/>
-            </a:endParaRPr>
           </a:p>
         </p:txBody>
       </p:sp>
@@ -3104,6 +3162,7 @@
                 </a:solidFill>
                 <a:latin typeface="Calibri" panose="020F0502020204030204"/>
               </a:rPr>
+              <a:t>‹#›</a:t>
             </a:fld>
             <a:endParaRPr lang="en-IN" sz="900" b="0" strike="noStrike" spc="-1">
               <a:latin typeface="Times New Roman" panose="02020603050405020304"/>
@@ -3180,6 +3239,7 @@
           <a:bodyPr anchor="ctr">
             <a:noAutofit/>
           </a:bodyPr>
+          <a:lstStyle/>
           <a:p>
             <a:pPr>
               <a:lnSpc>
@@ -3219,14 +3279,6 @@
   <p:clrMapOvr>
     <a:masterClrMapping/>
   </p:clrMapOvr>
-  <mc:AlternateContent xmlns:mc="http://schemas.openxmlformats.org/markup-compatibility/2006">
-    <mc:Choice xmlns:p14="http://schemas.microsoft.com/office/powerpoint/2010/main" Requires="p14">
-      <p:transition spd="slow" p14:dur="2000"/>
-    </mc:Choice>
-    <mc:Fallback>
-      <p:transition spd="slow"/>
-    </mc:Fallback>
-  </mc:AlternateContent>
 </p:sld>
 </file>
 
@@ -3274,6 +3326,7 @@
           <a:bodyPr anchor="t">
             <a:noAutofit/>
           </a:bodyPr>
+          <a:lstStyle/>
           <a:p>
             <a:pPr>
               <a:lnSpc>
@@ -3296,12 +3349,6 @@
               </a:rPr>
               <a:t>6. A man can row a certain distance against the stream in six hours. However, he would take two hours less to cover the same distance with the current. If the speed of the current is 2 Km/h, then what is the speed of the man in still water.</a:t>
             </a:r>
-            <a:endParaRPr lang="en-US" sz="2600" b="0" strike="noStrike" spc="-1">
-              <a:solidFill>
-                <a:srgbClr val="000000"/>
-              </a:solidFill>
-              <a:latin typeface="Calibri" panose="020F0502020204030204"/>
-            </a:endParaRPr>
           </a:p>
           <a:p>
             <a:pPr marL="514350" indent="-514350">
@@ -3327,23 +3374,8 @@
                 </a:solidFill>
                 <a:latin typeface="Calibri" panose="020F0502020204030204"/>
               </a:rPr>
-              <a:t>10 km/h</a:t>
-            </a:r>
-            <a:r>
-              <a:rPr lang="en-US" sz="2600" b="0" strike="noStrike" spc="-1">
-                <a:solidFill>
-                  <a:srgbClr val="000000"/>
-                </a:solidFill>
-                <a:latin typeface="Calibri" panose="020F0502020204030204"/>
-              </a:rPr>
-              <a:t>	</a:t>
-            </a:r>
-            <a:endParaRPr lang="en-US" sz="2600" b="0" strike="noStrike" spc="-1">
-              <a:solidFill>
-                <a:srgbClr val="000000"/>
-              </a:solidFill>
-              <a:latin typeface="Calibri" panose="020F0502020204030204"/>
-            </a:endParaRPr>
+              <a:t>10 km/h	</a:t>
+            </a:r>
           </a:p>
           <a:p>
             <a:pPr marL="514350" indent="-514350">
@@ -3369,23 +3401,8 @@
                 </a:solidFill>
                 <a:latin typeface="Calibri" panose="020F0502020204030204"/>
               </a:rPr>
-              <a:t>12 km/h</a:t>
-            </a:r>
-            <a:r>
-              <a:rPr lang="en-US" sz="2600" b="0" strike="noStrike" spc="-1">
-                <a:solidFill>
-                  <a:srgbClr val="000000"/>
-                </a:solidFill>
-                <a:latin typeface="Calibri" panose="020F0502020204030204"/>
-              </a:rPr>
-              <a:t>	</a:t>
-            </a:r>
-            <a:endParaRPr lang="en-US" sz="2600" b="0" strike="noStrike" spc="-1">
-              <a:solidFill>
-                <a:srgbClr val="000000"/>
-              </a:solidFill>
-              <a:latin typeface="Calibri" panose="020F0502020204030204"/>
-            </a:endParaRPr>
+              <a:t>12 km/h	</a:t>
+            </a:r>
           </a:p>
           <a:p>
             <a:pPr marL="514350" indent="-514350">
@@ -3411,23 +3428,8 @@
                 </a:solidFill>
                 <a:latin typeface="Calibri" panose="020F0502020204030204"/>
               </a:rPr>
-              <a:t>16 km/h</a:t>
-            </a:r>
-            <a:r>
-              <a:rPr lang="en-US" sz="2600" b="0" strike="noStrike" spc="-1">
-                <a:solidFill>
-                  <a:srgbClr val="000000"/>
-                </a:solidFill>
-                <a:latin typeface="Calibri" panose="020F0502020204030204"/>
-              </a:rPr>
-              <a:t>	</a:t>
-            </a:r>
-            <a:endParaRPr lang="en-US" sz="2600" b="0" strike="noStrike" spc="-1">
-              <a:solidFill>
-                <a:srgbClr val="000000"/>
-              </a:solidFill>
-              <a:latin typeface="Calibri" panose="020F0502020204030204"/>
-            </a:endParaRPr>
+              <a:t>16 km/h	</a:t>
+            </a:r>
           </a:p>
           <a:p>
             <a:pPr marL="514350" indent="-514350">
@@ -3455,12 +3457,6 @@
               </a:rPr>
               <a:t>8 km/h</a:t>
             </a:r>
-            <a:endParaRPr lang="en-US" sz="2600" b="0" strike="noStrike" spc="-1">
-              <a:solidFill>
-                <a:srgbClr val="000000"/>
-              </a:solidFill>
-              <a:latin typeface="Calibri" panose="020F0502020204030204"/>
-            </a:endParaRPr>
           </a:p>
           <a:p>
             <a:pPr>
@@ -3509,14 +3505,6 @@
   <p:clrMapOvr>
     <a:masterClrMapping/>
   </p:clrMapOvr>
-  <mc:AlternateContent xmlns:mc="http://schemas.openxmlformats.org/markup-compatibility/2006">
-    <mc:Choice xmlns:p14="http://schemas.microsoft.com/office/powerpoint/2010/main" Requires="p14">
-      <p:transition spd="slow" p14:dur="2000"/>
-    </mc:Choice>
-    <mc:Fallback>
-      <p:transition spd="slow"/>
-    </mc:Fallback>
-  </mc:AlternateContent>
   <p:timing>
     <p:tnLst>
       <p:par>
@@ -3589,14 +3577,14 @@
                 </p:childTnLst>
               </p:cTn>
               <p:prevCondLst>
-                <p:cond evt="onPrev">
+                <p:cond evt="onPrev" delay="0">
                   <p:tgtEl>
                     <p:sldTgt/>
                   </p:tgtEl>
                 </p:cond>
               </p:prevCondLst>
               <p:nextCondLst>
-                <p:cond evt="onNext">
+                <p:cond evt="onNext" delay="0">
                   <p:tgtEl>
                     <p:sldTgt/>
                   </p:tgtEl>
@@ -3655,6 +3643,7 @@
           <a:bodyPr anchor="t">
             <a:noAutofit/>
           </a:bodyPr>
+          <a:lstStyle/>
           <a:p>
             <a:pPr>
               <a:lnSpc>
@@ -3677,12 +3666,6 @@
               </a:rPr>
               <a:t>7. A man can row downstream at 12 Km/h and upstream at 8 Km/h. Find the ratio of the speed of the current to the speed of the man in still water?</a:t>
             </a:r>
-            <a:endParaRPr lang="en-US" sz="2600" b="0" strike="noStrike" spc="-1">
-              <a:solidFill>
-                <a:srgbClr val="000000"/>
-              </a:solidFill>
-              <a:latin typeface="Calibri" panose="020F0502020204030204"/>
-            </a:endParaRPr>
           </a:p>
           <a:p>
             <a:pPr marL="514350" indent="-514350">
@@ -3708,32 +3691,8 @@
                 </a:solidFill>
                 <a:latin typeface="Calibri" panose="020F0502020204030204"/>
               </a:rPr>
-              <a:t>1 : 5</a:t>
-            </a:r>
-            <a:r>
-              <a:rPr lang="en-US" sz="2600" b="0" strike="noStrike" spc="-1">
-                <a:solidFill>
-                  <a:srgbClr val="000000"/>
-                </a:solidFill>
-                <a:latin typeface="Calibri" panose="020F0502020204030204"/>
-              </a:rPr>
-              <a:t>	</a:t>
-            </a:r>
-            <a:r>
-              <a:rPr lang="en-US" sz="2600" b="0" strike="noStrike" spc="-1">
-                <a:solidFill>
-                  <a:srgbClr val="000000"/>
-                </a:solidFill>
-                <a:latin typeface="Calibri" panose="020F0502020204030204"/>
-              </a:rPr>
-              <a:t>	</a:t>
-            </a:r>
-            <a:endParaRPr lang="en-US" sz="2600" b="0" strike="noStrike" spc="-1">
-              <a:solidFill>
-                <a:srgbClr val="000000"/>
-              </a:solidFill>
-              <a:latin typeface="Calibri" panose="020F0502020204030204"/>
-            </a:endParaRPr>
+              <a:t>1 : 5		</a:t>
+            </a:r>
           </a:p>
           <a:p>
             <a:pPr marL="514350" indent="-514350">
@@ -3759,32 +3718,8 @@
                 </a:solidFill>
                 <a:latin typeface="Calibri" panose="020F0502020204030204"/>
               </a:rPr>
-              <a:t>5 : 4</a:t>
-            </a:r>
-            <a:r>
-              <a:rPr lang="en-US" sz="2600" b="0" strike="noStrike" spc="-1">
-                <a:solidFill>
-                  <a:srgbClr val="000000"/>
-                </a:solidFill>
-                <a:latin typeface="Calibri" panose="020F0502020204030204"/>
-              </a:rPr>
-              <a:t>	</a:t>
-            </a:r>
-            <a:r>
-              <a:rPr lang="en-US" sz="2600" b="0" strike="noStrike" spc="-1">
-                <a:solidFill>
-                  <a:srgbClr val="000000"/>
-                </a:solidFill>
-                <a:latin typeface="Calibri" panose="020F0502020204030204"/>
-              </a:rPr>
-              <a:t>	</a:t>
-            </a:r>
-            <a:endParaRPr lang="en-US" sz="2600" b="0" strike="noStrike" spc="-1">
-              <a:solidFill>
-                <a:srgbClr val="000000"/>
-              </a:solidFill>
-              <a:latin typeface="Calibri" panose="020F0502020204030204"/>
-            </a:endParaRPr>
+              <a:t>5 : 4		</a:t>
+            </a:r>
           </a:p>
           <a:p>
             <a:pPr marL="514350" indent="-514350">
@@ -3810,32 +3745,8 @@
                 </a:solidFill>
                 <a:latin typeface="Calibri" panose="020F0502020204030204"/>
               </a:rPr>
-              <a:t>25 : 16</a:t>
-            </a:r>
-            <a:r>
-              <a:rPr lang="en-US" sz="2600" b="0" strike="noStrike" spc="-1">
-                <a:solidFill>
-                  <a:srgbClr val="000000"/>
-                </a:solidFill>
-                <a:latin typeface="Calibri" panose="020F0502020204030204"/>
-              </a:rPr>
-              <a:t>	</a:t>
-            </a:r>
-            <a:r>
-              <a:rPr lang="en-US" sz="2600" b="0" strike="noStrike" spc="-1">
-                <a:solidFill>
-                  <a:srgbClr val="000000"/>
-                </a:solidFill>
-                <a:latin typeface="Calibri" panose="020F0502020204030204"/>
-              </a:rPr>
-              <a:t>	</a:t>
-            </a:r>
-            <a:endParaRPr lang="en-US" sz="2600" b="0" strike="noStrike" spc="-1">
-              <a:solidFill>
-                <a:srgbClr val="000000"/>
-              </a:solidFill>
-              <a:latin typeface="Calibri" panose="020F0502020204030204"/>
-            </a:endParaRPr>
+              <a:t>25 : 16		</a:t>
+            </a:r>
           </a:p>
           <a:p>
             <a:pPr marL="514350" indent="-514350">
@@ -3863,12 +3774,6 @@
               </a:rPr>
               <a:t>16 : 25</a:t>
             </a:r>
-            <a:endParaRPr lang="en-US" sz="2600" b="0" strike="noStrike" spc="-1">
-              <a:solidFill>
-                <a:srgbClr val="000000"/>
-              </a:solidFill>
-              <a:latin typeface="Calibri" panose="020F0502020204030204"/>
-            </a:endParaRPr>
           </a:p>
           <a:p>
             <a:pPr>
@@ -3917,14 +3822,6 @@
   <p:clrMapOvr>
     <a:masterClrMapping/>
   </p:clrMapOvr>
-  <mc:AlternateContent xmlns:mc="http://schemas.openxmlformats.org/markup-compatibility/2006">
-    <mc:Choice xmlns:p14="http://schemas.microsoft.com/office/powerpoint/2010/main" Requires="p14">
-      <p:transition spd="slow" p14:dur="2000"/>
-    </mc:Choice>
-    <mc:Fallback>
-      <p:transition spd="slow"/>
-    </mc:Fallback>
-  </mc:AlternateContent>
   <p:timing>
     <p:tnLst>
       <p:par>
@@ -3997,14 +3894,14 @@
                 </p:childTnLst>
               </p:cTn>
               <p:prevCondLst>
-                <p:cond evt="onPrev">
+                <p:cond evt="onPrev" delay="0">
                   <p:tgtEl>
                     <p:sldTgt/>
                   </p:tgtEl>
                 </p:cond>
               </p:prevCondLst>
               <p:nextCondLst>
-                <p:cond evt="onNext">
+                <p:cond evt="onNext" delay="0">
                   <p:tgtEl>
                     <p:sldTgt/>
                   </p:tgtEl>
@@ -4063,6 +3960,7 @@
           <a:bodyPr anchor="t">
             <a:noAutofit/>
           </a:bodyPr>
+          <a:lstStyle/>
           <a:p>
             <a:pPr>
               <a:lnSpc>
@@ -4085,12 +3983,6 @@
               </a:rPr>
               <a:t>8. In a stream running at 2 km/h, a motorboat goes 10 km upstream and returns to the starting point in 55 minutes. Find the speed (all in km/h) of the motorboat in still water. </a:t>
             </a:r>
-            <a:endParaRPr lang="en-US" sz="2600" b="0" strike="noStrike" spc="-1">
-              <a:solidFill>
-                <a:srgbClr val="000000"/>
-              </a:solidFill>
-              <a:latin typeface="Calibri" panose="020F0502020204030204"/>
-            </a:endParaRPr>
           </a:p>
           <a:p>
             <a:pPr marL="514350" indent="-514350">
@@ -4118,12 +4010,6 @@
               </a:rPr>
               <a:t>2 </a:t>
             </a:r>
-            <a:endParaRPr lang="en-US" sz="2600" b="0" strike="noStrike" spc="-1">
-              <a:solidFill>
-                <a:srgbClr val="000000"/>
-              </a:solidFill>
-              <a:latin typeface="Calibri" panose="020F0502020204030204"/>
-            </a:endParaRPr>
           </a:p>
           <a:p>
             <a:pPr marL="514350" indent="-514350">
@@ -4151,12 +4037,6 @@
               </a:rPr>
               <a:t>11 </a:t>
             </a:r>
-            <a:endParaRPr lang="en-US" sz="2600" b="0" strike="noStrike" spc="-1">
-              <a:solidFill>
-                <a:srgbClr val="000000"/>
-              </a:solidFill>
-              <a:latin typeface="Calibri" panose="020F0502020204030204"/>
-            </a:endParaRPr>
           </a:p>
           <a:p>
             <a:pPr marL="514350" indent="-514350">
@@ -4184,12 +4064,6 @@
               </a:rPr>
               <a:t>22 </a:t>
             </a:r>
-            <a:endParaRPr lang="en-US" sz="2600" b="0" strike="noStrike" spc="-1">
-              <a:solidFill>
-                <a:srgbClr val="000000"/>
-              </a:solidFill>
-              <a:latin typeface="Calibri" panose="020F0502020204030204"/>
-            </a:endParaRPr>
           </a:p>
           <a:p>
             <a:pPr marL="514350" indent="-514350">
@@ -4217,12 +4091,6 @@
               </a:rPr>
               <a:t>None of these </a:t>
             </a:r>
-            <a:endParaRPr lang="en-US" sz="2600" b="0" strike="noStrike" spc="-1">
-              <a:solidFill>
-                <a:srgbClr val="000000"/>
-              </a:solidFill>
-              <a:latin typeface="Calibri" panose="020F0502020204030204"/>
-            </a:endParaRPr>
           </a:p>
           <a:p>
             <a:pPr>
@@ -4271,14 +4139,6 @@
   <p:clrMapOvr>
     <a:masterClrMapping/>
   </p:clrMapOvr>
-  <mc:AlternateContent xmlns:mc="http://schemas.openxmlformats.org/markup-compatibility/2006">
-    <mc:Choice xmlns:p14="http://schemas.microsoft.com/office/powerpoint/2010/main" Requires="p14">
-      <p:transition spd="slow" p14:dur="2000"/>
-    </mc:Choice>
-    <mc:Fallback>
-      <p:transition spd="slow"/>
-    </mc:Fallback>
-  </mc:AlternateContent>
   <p:timing>
     <p:tnLst>
       <p:par>
@@ -4351,14 +4211,14 @@
                 </p:childTnLst>
               </p:cTn>
               <p:prevCondLst>
-                <p:cond evt="onPrev">
+                <p:cond evt="onPrev" delay="0">
                   <p:tgtEl>
                     <p:sldTgt/>
                   </p:tgtEl>
                 </p:cond>
               </p:prevCondLst>
               <p:nextCondLst>
-                <p:cond evt="onNext">
+                <p:cond evt="onNext" delay="0">
                   <p:tgtEl>
                     <p:sldTgt/>
                   </p:tgtEl>
@@ -4417,6 +4277,7 @@
           <a:bodyPr anchor="t">
             <a:noAutofit/>
           </a:bodyPr>
+          <a:lstStyle/>
           <a:p>
             <a:pPr>
               <a:lnSpc>
@@ -4439,12 +4300,6 @@
               </a:rPr>
               <a:t>9. The ratio of the speed of the boat in still water to the speed of the current is 4:1. What is the ratio of the downstream speed of the boat to the upstream speed? </a:t>
             </a:r>
-            <a:endParaRPr lang="en-US" sz="2600" b="0" strike="noStrike" spc="-1">
-              <a:solidFill>
-                <a:srgbClr val="000000"/>
-              </a:solidFill>
-              <a:latin typeface="Calibri" panose="020F0502020204030204"/>
-            </a:endParaRPr>
           </a:p>
           <a:p>
             <a:pPr marL="514350" indent="-514350">
@@ -4472,12 +4327,6 @@
               </a:rPr>
               <a:t>2:1 </a:t>
             </a:r>
-            <a:endParaRPr lang="en-US" sz="2600" b="0" strike="noStrike" spc="-1">
-              <a:solidFill>
-                <a:srgbClr val="000000"/>
-              </a:solidFill>
-              <a:latin typeface="Calibri" panose="020F0502020204030204"/>
-            </a:endParaRPr>
           </a:p>
           <a:p>
             <a:pPr marL="514350" indent="-514350">
@@ -4505,12 +4354,6 @@
               </a:rPr>
               <a:t>1:1 </a:t>
             </a:r>
-            <a:endParaRPr lang="en-US" sz="2600" b="0" strike="noStrike" spc="-1">
-              <a:solidFill>
-                <a:srgbClr val="000000"/>
-              </a:solidFill>
-              <a:latin typeface="Calibri" panose="020F0502020204030204"/>
-            </a:endParaRPr>
           </a:p>
           <a:p>
             <a:pPr marL="514350" indent="-514350">
@@ -4538,12 +4381,6 @@
               </a:rPr>
               <a:t>5:3 </a:t>
             </a:r>
-            <a:endParaRPr lang="en-US" sz="2600" b="0" strike="noStrike" spc="-1">
-              <a:solidFill>
-                <a:srgbClr val="000000"/>
-              </a:solidFill>
-              <a:latin typeface="Calibri" panose="020F0502020204030204"/>
-            </a:endParaRPr>
           </a:p>
           <a:p>
             <a:pPr marL="514350" indent="-514350">
@@ -4571,12 +4408,6 @@
               </a:rPr>
               <a:t>None of these</a:t>
             </a:r>
-            <a:endParaRPr lang="en-US" sz="2600" b="0" strike="noStrike" spc="-1">
-              <a:solidFill>
-                <a:srgbClr val="000000"/>
-              </a:solidFill>
-              <a:latin typeface="Calibri" panose="020F0502020204030204"/>
-            </a:endParaRPr>
           </a:p>
           <a:p>
             <a:pPr>
@@ -4625,14 +4456,6 @@
   <p:clrMapOvr>
     <a:masterClrMapping/>
   </p:clrMapOvr>
-  <mc:AlternateContent xmlns:mc="http://schemas.openxmlformats.org/markup-compatibility/2006">
-    <mc:Choice xmlns:p14="http://schemas.microsoft.com/office/powerpoint/2010/main" Requires="p14">
-      <p:transition spd="slow" p14:dur="2000"/>
-    </mc:Choice>
-    <mc:Fallback>
-      <p:transition spd="slow"/>
-    </mc:Fallback>
-  </mc:AlternateContent>
   <p:timing>
     <p:tnLst>
       <p:par>
@@ -4705,14 +4528,14 @@
                 </p:childTnLst>
               </p:cTn>
               <p:prevCondLst>
-                <p:cond evt="onPrev">
+                <p:cond evt="onPrev" delay="0">
                   <p:tgtEl>
                     <p:sldTgt/>
                   </p:tgtEl>
                 </p:cond>
               </p:prevCondLst>
               <p:nextCondLst>
-                <p:cond evt="onNext">
+                <p:cond evt="onNext" delay="0">
                   <p:tgtEl>
                     <p:sldTgt/>
                   </p:tgtEl>
@@ -4771,6 +4594,7 @@
           <a:bodyPr anchor="t">
             <a:noAutofit/>
           </a:bodyPr>
+          <a:lstStyle/>
           <a:p>
             <a:pPr>
               <a:lnSpc>
@@ -4793,12 +4617,6 @@
               </a:rPr>
               <a:t>10. A boatman rows to a place at a distance 45 km and comes back in 20 hours. He finds that he can row 12 km with the stream in the same time as 4 km against the stream. Find the speed of the stream. </a:t>
             </a:r>
-            <a:endParaRPr lang="en-US" sz="2600" b="0" strike="noStrike" spc="-1">
-              <a:solidFill>
-                <a:srgbClr val="000000"/>
-              </a:solidFill>
-              <a:latin typeface="Calibri" panose="020F0502020204030204"/>
-            </a:endParaRPr>
           </a:p>
           <a:p>
             <a:pPr marL="514350" indent="-514350">
@@ -4979,14 +4797,6 @@
   <p:clrMapOvr>
     <a:masterClrMapping/>
   </p:clrMapOvr>
-  <mc:AlternateContent xmlns:mc="http://schemas.openxmlformats.org/markup-compatibility/2006">
-    <mc:Choice xmlns:p14="http://schemas.microsoft.com/office/powerpoint/2010/main" Requires="p14">
-      <p:transition spd="slow" p14:dur="2000"/>
-    </mc:Choice>
-    <mc:Fallback>
-      <p:transition spd="slow"/>
-    </mc:Fallback>
-  </mc:AlternateContent>
   <p:timing>
     <p:tnLst>
       <p:par>
@@ -5059,14 +4869,14 @@
                 </p:childTnLst>
               </p:cTn>
               <p:prevCondLst>
-                <p:cond evt="onPrev">
+                <p:cond evt="onPrev" delay="0">
                   <p:tgtEl>
                     <p:sldTgt/>
                   </p:tgtEl>
                 </p:cond>
               </p:prevCondLst>
               <p:nextCondLst>
-                <p:cond evt="onNext">
+                <p:cond evt="onNext" delay="0">
                   <p:tgtEl>
                     <p:sldTgt/>
                   </p:tgtEl>
@@ -5125,6 +4935,7 @@
           <a:bodyPr anchor="t">
             <a:noAutofit/>
           </a:bodyPr>
+          <a:lstStyle/>
           <a:p>
             <a:pPr>
               <a:lnSpc>
@@ -5147,12 +4958,6 @@
               </a:rPr>
               <a:t>11. Two boats, travelling at 5 km/h and 10 km/h respectively, head directly towards each other. They begin at a distance of 20 km from each other. How far apart are they (in km) one minute before they collide? </a:t>
             </a:r>
-            <a:endParaRPr lang="en-US" sz="2600" b="0" strike="noStrike" spc="-1">
-              <a:solidFill>
-                <a:srgbClr val="000000"/>
-              </a:solidFill>
-              <a:latin typeface="Calibri" panose="020F0502020204030204"/>
-            </a:endParaRPr>
           </a:p>
           <a:p>
             <a:pPr marL="514350" indent="-514350">
@@ -5180,12 +4985,6 @@
               </a:rPr>
               <a:t>1/12</a:t>
             </a:r>
-            <a:endParaRPr lang="en-US" sz="2600" b="0" strike="noStrike" spc="-1">
-              <a:solidFill>
-                <a:srgbClr val="000000"/>
-              </a:solidFill>
-              <a:latin typeface="Calibri" panose="020F0502020204030204"/>
-            </a:endParaRPr>
           </a:p>
           <a:p>
             <a:pPr marL="514350" indent="-514350">
@@ -5213,12 +5012,6 @@
               </a:rPr>
               <a:t>1/6</a:t>
             </a:r>
-            <a:endParaRPr lang="en-US" sz="2600" b="0" strike="noStrike" spc="-1">
-              <a:solidFill>
-                <a:srgbClr val="000000"/>
-              </a:solidFill>
-              <a:latin typeface="Calibri" panose="020F0502020204030204"/>
-            </a:endParaRPr>
           </a:p>
           <a:p>
             <a:pPr marL="514350" indent="-514350">
@@ -5246,12 +5039,6 @@
               </a:rPr>
               <a:t>1/4</a:t>
             </a:r>
-            <a:endParaRPr lang="en-US" sz="2600" b="0" strike="noStrike" spc="-1">
-              <a:solidFill>
-                <a:srgbClr val="000000"/>
-              </a:solidFill>
-              <a:latin typeface="Calibri" panose="020F0502020204030204"/>
-            </a:endParaRPr>
           </a:p>
           <a:p>
             <a:pPr marL="514350" indent="-514350">
@@ -5279,12 +5066,6 @@
               </a:rPr>
               <a:t>1/3</a:t>
             </a:r>
-            <a:endParaRPr lang="en-US" sz="2600" b="0" strike="noStrike" spc="-1">
-              <a:solidFill>
-                <a:srgbClr val="000000"/>
-              </a:solidFill>
-              <a:latin typeface="Calibri" panose="020F0502020204030204"/>
-            </a:endParaRPr>
           </a:p>
           <a:p>
             <a:pPr>
@@ -5333,14 +5114,6 @@
   <p:clrMapOvr>
     <a:masterClrMapping/>
   </p:clrMapOvr>
-  <mc:AlternateContent xmlns:mc="http://schemas.openxmlformats.org/markup-compatibility/2006">
-    <mc:Choice xmlns:p14="http://schemas.microsoft.com/office/powerpoint/2010/main" Requires="p14">
-      <p:transition spd="slow" p14:dur="2000"/>
-    </mc:Choice>
-    <mc:Fallback>
-      <p:transition spd="slow"/>
-    </mc:Fallback>
-  </mc:AlternateContent>
   <p:timing>
     <p:tnLst>
       <p:par>
@@ -5413,14 +5186,14 @@
                 </p:childTnLst>
               </p:cTn>
               <p:prevCondLst>
-                <p:cond evt="onPrev">
+                <p:cond evt="onPrev" delay="0">
                   <p:tgtEl>
                     <p:sldTgt/>
                   </p:tgtEl>
                 </p:cond>
               </p:prevCondLst>
               <p:nextCondLst>
-                <p:cond evt="onNext">
+                <p:cond evt="onNext" delay="0">
                   <p:tgtEl>
                     <p:sldTgt/>
                   </p:tgtEl>
@@ -5479,6 +5252,7 @@
           <a:bodyPr anchor="t">
             <a:noAutofit/>
           </a:bodyPr>
+          <a:lstStyle/>
           <a:p>
             <a:pPr>
               <a:lnSpc>
@@ -5501,12 +5275,6 @@
               </a:rPr>
               <a:t>12. A man takes twice as long to row a distance against the stream as to row the same distance along the stream. The ratio of the speed of the boat (in still water) and the stream is </a:t>
             </a:r>
-            <a:endParaRPr lang="en-US" sz="2600" b="0" strike="noStrike" spc="-1">
-              <a:solidFill>
-                <a:srgbClr val="000000"/>
-              </a:solidFill>
-              <a:latin typeface="Calibri" panose="020F0502020204030204"/>
-            </a:endParaRPr>
           </a:p>
           <a:p>
             <a:pPr marL="514350" indent="-514350">
@@ -5687,14 +5455,6 @@
   <p:clrMapOvr>
     <a:masterClrMapping/>
   </p:clrMapOvr>
-  <mc:AlternateContent xmlns:mc="http://schemas.openxmlformats.org/markup-compatibility/2006">
-    <mc:Choice xmlns:p14="http://schemas.microsoft.com/office/powerpoint/2010/main" Requires="p14">
-      <p:transition spd="slow" p14:dur="2000"/>
-    </mc:Choice>
-    <mc:Fallback>
-      <p:transition spd="slow"/>
-    </mc:Fallback>
-  </mc:AlternateContent>
   <p:timing>
     <p:tnLst>
       <p:par>
@@ -5767,14 +5527,14 @@
                 </p:childTnLst>
               </p:cTn>
               <p:prevCondLst>
-                <p:cond evt="onPrev">
+                <p:cond evt="onPrev" delay="0">
                   <p:tgtEl>
                     <p:sldTgt/>
                   </p:tgtEl>
                 </p:cond>
               </p:prevCondLst>
               <p:nextCondLst>
-                <p:cond evt="onNext">
+                <p:cond evt="onNext" delay="0">
                   <p:tgtEl>
                     <p:sldTgt/>
                   </p:tgtEl>
@@ -5833,6 +5593,7 @@
           <a:bodyPr anchor="t">
             <a:noAutofit/>
           </a:bodyPr>
+          <a:lstStyle/>
           <a:p>
             <a:pPr>
               <a:lnSpc>
@@ -5855,12 +5616,6 @@
               </a:rPr>
               <a:t>14. While going A to B against the stream and coming back from B to A with stream it takes a total time of 3 hours. If the distance from B to A is 4 km and speed of stream is 1 km/h. Find speed of boat in still water? </a:t>
             </a:r>
-            <a:endParaRPr lang="en-US" sz="2600" b="0" strike="noStrike" spc="-1">
-              <a:solidFill>
-                <a:srgbClr val="000000"/>
-              </a:solidFill>
-              <a:latin typeface="Calibri" panose="020F0502020204030204"/>
-            </a:endParaRPr>
           </a:p>
           <a:p>
             <a:pPr marL="514350" indent="-514350">
@@ -6041,14 +5796,6 @@
   <p:clrMapOvr>
     <a:masterClrMapping/>
   </p:clrMapOvr>
-  <mc:AlternateContent xmlns:mc="http://schemas.openxmlformats.org/markup-compatibility/2006">
-    <mc:Choice xmlns:p14="http://schemas.microsoft.com/office/powerpoint/2010/main" Requires="p14">
-      <p:transition spd="slow" p14:dur="2000"/>
-    </mc:Choice>
-    <mc:Fallback>
-      <p:transition spd="slow"/>
-    </mc:Fallback>
-  </mc:AlternateContent>
   <p:timing>
     <p:tnLst>
       <p:par>
@@ -6121,14 +5868,14 @@
                 </p:childTnLst>
               </p:cTn>
               <p:prevCondLst>
-                <p:cond evt="onPrev">
+                <p:cond evt="onPrev" delay="0">
                   <p:tgtEl>
                     <p:sldTgt/>
                   </p:tgtEl>
                 </p:cond>
               </p:prevCondLst>
               <p:nextCondLst>
-                <p:cond evt="onNext">
+                <p:cond evt="onNext" delay="0">
                   <p:tgtEl>
                     <p:sldTgt/>
                   </p:tgtEl>
@@ -6187,6 +5934,7 @@
           <a:bodyPr anchor="t">
             <a:noAutofit/>
           </a:bodyPr>
+          <a:lstStyle/>
           <a:p>
             <a:pPr>
               <a:lnSpc>
@@ -6209,12 +5957,6 @@
               </a:rPr>
               <a:t> </a:t>
             </a:r>
-            <a:endParaRPr lang="en-US" sz="2100" b="0" strike="noStrike" spc="-1">
-              <a:solidFill>
-                <a:srgbClr val="000000"/>
-              </a:solidFill>
-              <a:latin typeface="Calibri" panose="020F0502020204030204"/>
-            </a:endParaRPr>
           </a:p>
         </p:txBody>
       </p:sp>
@@ -6241,6 +5983,7 @@
           <a:bodyPr lIns="90000" tIns="45000" rIns="90000" bIns="45000" anchor="t">
             <a:noAutofit/>
           </a:bodyPr>
+          <a:lstStyle/>
           <a:p>
             <a:r>
               <a:rPr lang="en-US" sz="4800" b="1" strike="noStrike" spc="-1">
@@ -6262,14 +6005,6 @@
   <p:clrMapOvr>
     <a:masterClrMapping/>
   </p:clrMapOvr>
-  <mc:AlternateContent xmlns:mc="http://schemas.openxmlformats.org/markup-compatibility/2006">
-    <mc:Choice xmlns:p14="http://schemas.microsoft.com/office/powerpoint/2010/main" Requires="p14">
-      <p:transition spd="slow" p14:dur="2000"/>
-    </mc:Choice>
-    <mc:Fallback>
-      <p:transition spd="slow"/>
-    </mc:Fallback>
-  </mc:AlternateContent>
 </p:sld>
 </file>
 
@@ -6317,6 +6052,7 @@
           <a:bodyPr anchor="t">
             <a:noAutofit/>
           </a:bodyPr>
+          <a:lstStyle/>
           <a:p>
             <a:pPr>
               <a:lnSpc>
@@ -6339,12 +6075,6 @@
               </a:rPr>
               <a:t>15. Ratio of Speed of boat to the speed of current of water is 36:5. The boat goes along with the current in 5 hours 10 minutes. It will come back in ?</a:t>
             </a:r>
-            <a:endParaRPr lang="en-US" sz="2600" b="0" strike="noStrike" spc="-1">
-              <a:solidFill>
-                <a:srgbClr val="000000"/>
-              </a:solidFill>
-              <a:latin typeface="Calibri" panose="020F0502020204030204"/>
-            </a:endParaRPr>
           </a:p>
           <a:p>
             <a:pPr>
@@ -6393,14 +6123,6 @@
   <p:clrMapOvr>
     <a:masterClrMapping/>
   </p:clrMapOvr>
-  <mc:AlternateContent xmlns:mc="http://schemas.openxmlformats.org/markup-compatibility/2006">
-    <mc:Choice xmlns:p14="http://schemas.microsoft.com/office/powerpoint/2010/main" Requires="p14">
-      <p:transition spd="slow" p14:dur="2000"/>
-    </mc:Choice>
-    <mc:Fallback>
-      <p:transition spd="slow"/>
-    </mc:Fallback>
-  </mc:AlternateContent>
   <p:timing>
     <p:tnLst>
       <p:par>
@@ -6473,14 +6195,14 @@
                 </p:childTnLst>
               </p:cTn>
               <p:prevCondLst>
-                <p:cond evt="onPrev">
+                <p:cond evt="onPrev" delay="0">
                   <p:tgtEl>
                     <p:sldTgt/>
                   </p:tgtEl>
                 </p:cond>
               </p:prevCondLst>
               <p:nextCondLst>
-                <p:cond evt="onNext">
+                <p:cond evt="onNext" delay="0">
                   <p:tgtEl>
                     <p:sldTgt/>
                   </p:tgtEl>
@@ -6519,7 +6241,7 @@
           <p:nvPr/>
         </p:nvPicPr>
         <p:blipFill>
-          <a:blip r:embed="rId1"/>
+          <a:blip r:embed="rId2"/>
           <a:srcRect b="12347"/>
           <a:stretch>
             <a:fillRect/>
@@ -6543,14 +6265,6 @@
   <p:clrMapOvr>
     <a:masterClrMapping/>
   </p:clrMapOvr>
-  <mc:AlternateContent xmlns:mc="http://schemas.openxmlformats.org/markup-compatibility/2006">
-    <mc:Choice xmlns:p14="http://schemas.microsoft.com/office/powerpoint/2010/main" Requires="p14">
-      <p:transition spd="slow" p14:dur="2000"/>
-    </mc:Choice>
-    <mc:Fallback>
-      <p:transition spd="slow"/>
-    </mc:Fallback>
-  </mc:AlternateContent>
 </p:sld>
 </file>
 
@@ -6598,6 +6312,7 @@
           <a:bodyPr anchor="t">
             <a:noAutofit/>
           </a:bodyPr>
+          <a:lstStyle/>
           <a:p>
             <a:pPr>
               <a:lnSpc>
@@ -6620,12 +6335,6 @@
               </a:rPr>
               <a:t>16. A boat covers 25 km upstream and 39 km downstream in 8 hours. While it covers 35 km upstream and 52 km downstream in 11 hours. Find speed of current. ?</a:t>
             </a:r>
-            <a:endParaRPr lang="en-US" sz="2600" b="0" strike="noStrike" spc="-1">
-              <a:solidFill>
-                <a:srgbClr val="000000"/>
-              </a:solidFill>
-              <a:latin typeface="Calibri" panose="020F0502020204030204"/>
-            </a:endParaRPr>
           </a:p>
           <a:p>
             <a:pPr>
@@ -6674,14 +6383,6 @@
   <p:clrMapOvr>
     <a:masterClrMapping/>
   </p:clrMapOvr>
-  <mc:AlternateContent xmlns:mc="http://schemas.openxmlformats.org/markup-compatibility/2006">
-    <mc:Choice xmlns:p14="http://schemas.microsoft.com/office/powerpoint/2010/main" Requires="p14">
-      <p:transition spd="slow" p14:dur="2000"/>
-    </mc:Choice>
-    <mc:Fallback>
-      <p:transition spd="slow"/>
-    </mc:Fallback>
-  </mc:AlternateContent>
   <p:timing>
     <p:tnLst>
       <p:par>
@@ -6754,14 +6455,14 @@
                 </p:childTnLst>
               </p:cTn>
               <p:prevCondLst>
-                <p:cond evt="onPrev">
+                <p:cond evt="onPrev" delay="0">
                   <p:tgtEl>
                     <p:sldTgt/>
                   </p:tgtEl>
                 </p:cond>
               </p:prevCondLst>
               <p:nextCondLst>
-                <p:cond evt="onNext">
+                <p:cond evt="onNext" delay="0">
                   <p:tgtEl>
                     <p:sldTgt/>
                   </p:tgtEl>
@@ -7064,6 +6765,7 @@
           <a:bodyPr anchor="t">
             <a:noAutofit/>
           </a:bodyPr>
+          <a:lstStyle/>
           <a:p>
             <a:pPr>
               <a:lnSpc>
@@ -7086,7 +6788,39 @@
               </a:rPr>
               <a:t>formulae, </a:t>
             </a:r>
-            <a:endParaRPr lang="en-US" sz="2100" b="0" strike="noStrike" spc="-1">
+          </a:p>
+          <a:p>
+            <a:pPr>
+              <a:lnSpc>
+                <a:spcPct val="90000"/>
+              </a:lnSpc>
+              <a:spcBef>
+                <a:spcPts val="750"/>
+              </a:spcBef>
+              <a:buNone/>
+              <a:tabLst>
+                <a:tab pos="0" algn="l"/>
+              </a:tabLst>
+            </a:pPr>
+            <a:r>
+              <a:rPr lang="en-US" sz="2100" b="0" strike="noStrike" spc="-1">
+                <a:solidFill>
+                  <a:srgbClr val="000000"/>
+                </a:solidFill>
+                <a:latin typeface="Calibri" panose="020F0502020204030204"/>
+              </a:rPr>
+              <a:t>		         </a:t>
+            </a:r>
+            <a:r>
+              <a:rPr lang="en-US" sz="2600" b="1" strike="noStrike" spc="-1">
+                <a:solidFill>
+                  <a:srgbClr val="000000"/>
+                </a:solidFill>
+                <a:latin typeface="Calibri" panose="020F0502020204030204"/>
+              </a:rPr>
+              <a:t>D = B + W</a:t>
+            </a:r>
+            <a:endParaRPr lang="en-US" sz="2600" b="0" strike="noStrike" spc="-1">
               <a:solidFill>
                 <a:srgbClr val="000000"/>
               </a:solidFill>
@@ -7113,8 +6847,22 @@
                 </a:solidFill>
                 <a:latin typeface="Calibri" panose="020F0502020204030204"/>
               </a:rPr>
-              <a:t>	</a:t>
-            </a:r>
+              <a:t> </a:t>
+            </a:r>
+          </a:p>
+          <a:p>
+            <a:pPr>
+              <a:lnSpc>
+                <a:spcPct val="90000"/>
+              </a:lnSpc>
+              <a:spcBef>
+                <a:spcPts val="750"/>
+              </a:spcBef>
+              <a:buNone/>
+              <a:tabLst>
+                <a:tab pos="0" algn="l"/>
+              </a:tabLst>
+            </a:pPr>
             <a:r>
               <a:rPr lang="en-US" sz="2100" b="0" strike="noStrike" spc="-1">
                 <a:solidFill>
@@ -7122,7 +6870,16 @@
                 </a:solidFill>
                 <a:latin typeface="Calibri" panose="020F0502020204030204"/>
               </a:rPr>
-              <a:t>	</a:t>
+              <a:t>		           </a:t>
+            </a:r>
+            <a:r>
+              <a:rPr lang="en-US" sz="2600" b="1" strike="noStrike" spc="-1">
+                <a:solidFill>
+                  <a:srgbClr val="000000"/>
+                </a:solidFill>
+                <a:latin typeface="Calibri" panose="020F0502020204030204"/>
+              </a:rPr>
+              <a:t>U = B – C</a:t>
             </a:r>
             <a:r>
               <a:rPr lang="en-US" sz="2100" b="0" strike="noStrike" spc="-1">
@@ -7131,7 +6888,53 @@
                 </a:solidFill>
                 <a:latin typeface="Calibri" panose="020F0502020204030204"/>
               </a:rPr>
-              <a:t>         </a:t>
+              <a:t> </a:t>
+            </a:r>
+          </a:p>
+          <a:p>
+            <a:pPr>
+              <a:lnSpc>
+                <a:spcPct val="90000"/>
+              </a:lnSpc>
+              <a:spcBef>
+                <a:spcPts val="750"/>
+              </a:spcBef>
+              <a:buNone/>
+              <a:tabLst>
+                <a:tab pos="0" algn="l"/>
+              </a:tabLst>
+            </a:pPr>
+            <a:r>
+              <a:rPr lang="en-US" sz="2100" b="0" strike="noStrike" spc="-1">
+                <a:solidFill>
+                  <a:srgbClr val="000000"/>
+                </a:solidFill>
+                <a:latin typeface="Calibri" panose="020F0502020204030204"/>
+              </a:rPr>
+              <a:t>		</a:t>
+            </a:r>
+          </a:p>
+          <a:p>
+            <a:pPr>
+              <a:lnSpc>
+                <a:spcPct val="90000"/>
+              </a:lnSpc>
+              <a:spcBef>
+                <a:spcPts val="750"/>
+              </a:spcBef>
+              <a:buNone/>
+              <a:tabLst>
+                <a:tab pos="0" algn="l"/>
+              </a:tabLst>
+            </a:pPr>
+            <a:r>
+              <a:rPr lang="en-US" sz="2100" b="0" strike="noStrike" spc="-1">
+                <a:solidFill>
+                  <a:srgbClr val="000000"/>
+                </a:solidFill>
+                <a:latin typeface="Calibri" panose="020F0502020204030204"/>
+              </a:rPr>
+              <a:t>                                       </a:t>
             </a:r>
             <a:r>
               <a:rPr lang="en-US" sz="2600" b="1" strike="noStrike" spc="-1">
@@ -7140,14 +6943,17 @@
                 </a:solidFill>
                 <a:latin typeface="Calibri" panose="020F0502020204030204"/>
               </a:rPr>
-              <a:t>D = B + W</a:t>
-            </a:r>
-            <a:endParaRPr lang="en-US" sz="2600" b="0" strike="noStrike" spc="-1">
-              <a:solidFill>
-                <a:srgbClr val="000000"/>
-              </a:solidFill>
-              <a:latin typeface="Calibri" panose="020F0502020204030204"/>
-            </a:endParaRPr>
+              <a:t>B = (D + U)/2</a:t>
+            </a:r>
+            <a:r>
+              <a:rPr lang="en-US" sz="2100" b="0" strike="noStrike" spc="-1">
+                <a:solidFill>
+                  <a:srgbClr val="000000"/>
+                </a:solidFill>
+                <a:latin typeface="Calibri" panose="020F0502020204030204"/>
+              </a:rPr>
+              <a:t> </a:t>
+            </a:r>
           </a:p>
           <a:p>
             <a:pPr>
@@ -7169,202 +6975,8 @@
                 </a:solidFill>
                 <a:latin typeface="Calibri" panose="020F0502020204030204"/>
               </a:rPr>
-              <a:t> </a:t>
-            </a:r>
-            <a:endParaRPr lang="en-US" sz="2100" b="0" strike="noStrike" spc="-1">
-              <a:solidFill>
-                <a:srgbClr val="000000"/>
-              </a:solidFill>
-              <a:latin typeface="Calibri" panose="020F0502020204030204"/>
-            </a:endParaRPr>
-          </a:p>
-          <a:p>
-            <a:pPr>
-              <a:lnSpc>
-                <a:spcPct val="90000"/>
-              </a:lnSpc>
-              <a:spcBef>
-                <a:spcPts val="750"/>
-              </a:spcBef>
-              <a:buNone/>
-              <a:tabLst>
-                <a:tab pos="0" algn="l"/>
-              </a:tabLst>
-            </a:pPr>
-            <a:r>
-              <a:rPr lang="en-US" sz="2100" b="0" strike="noStrike" spc="-1">
-                <a:solidFill>
-                  <a:srgbClr val="000000"/>
-                </a:solidFill>
-                <a:latin typeface="Calibri" panose="020F0502020204030204"/>
-              </a:rPr>
-              <a:t>	</a:t>
-            </a:r>
-            <a:r>
-              <a:rPr lang="en-US" sz="2100" b="0" strike="noStrike" spc="-1">
-                <a:solidFill>
-                  <a:srgbClr val="000000"/>
-                </a:solidFill>
-                <a:latin typeface="Calibri" panose="020F0502020204030204"/>
-              </a:rPr>
-              <a:t>	</a:t>
-            </a:r>
-            <a:r>
-              <a:rPr lang="en-US" sz="2100" b="0" strike="noStrike" spc="-1">
-                <a:solidFill>
-                  <a:srgbClr val="000000"/>
-                </a:solidFill>
-                <a:latin typeface="Calibri" panose="020F0502020204030204"/>
-              </a:rPr>
-              <a:t>           </a:t>
-            </a:r>
-            <a:r>
-              <a:rPr lang="en-US" sz="2600" b="1" strike="noStrike" spc="-1">
-                <a:solidFill>
-                  <a:srgbClr val="000000"/>
-                </a:solidFill>
-                <a:latin typeface="Calibri" panose="020F0502020204030204"/>
-              </a:rPr>
-              <a:t>U = B – C</a:t>
-            </a:r>
-            <a:r>
-              <a:rPr lang="en-US" sz="2100" b="0" strike="noStrike" spc="-1">
-                <a:solidFill>
-                  <a:srgbClr val="000000"/>
-                </a:solidFill>
-                <a:latin typeface="Calibri" panose="020F0502020204030204"/>
-              </a:rPr>
-              <a:t> </a:t>
-            </a:r>
-            <a:endParaRPr lang="en-US" sz="2100" b="0" strike="noStrike" spc="-1">
-              <a:solidFill>
-                <a:srgbClr val="000000"/>
-              </a:solidFill>
-              <a:latin typeface="Calibri" panose="020F0502020204030204"/>
-            </a:endParaRPr>
-          </a:p>
-          <a:p>
-            <a:pPr>
-              <a:lnSpc>
-                <a:spcPct val="90000"/>
-              </a:lnSpc>
-              <a:spcBef>
-                <a:spcPts val="750"/>
-              </a:spcBef>
-              <a:buNone/>
-              <a:tabLst>
-                <a:tab pos="0" algn="l"/>
-              </a:tabLst>
-            </a:pPr>
-            <a:r>
-              <a:rPr lang="en-US" sz="2100" b="0" strike="noStrike" spc="-1">
-                <a:solidFill>
-                  <a:srgbClr val="000000"/>
-                </a:solidFill>
-                <a:latin typeface="Calibri" panose="020F0502020204030204"/>
-              </a:rPr>
-              <a:t>	</a:t>
-            </a:r>
-            <a:r>
-              <a:rPr lang="en-US" sz="2100" b="0" strike="noStrike" spc="-1">
-                <a:solidFill>
-                  <a:srgbClr val="000000"/>
-                </a:solidFill>
-                <a:latin typeface="Calibri" panose="020F0502020204030204"/>
-              </a:rPr>
-              <a:t>	</a:t>
-            </a:r>
-            <a:endParaRPr lang="en-US" sz="2100" b="0" strike="noStrike" spc="-1">
-              <a:solidFill>
-                <a:srgbClr val="000000"/>
-              </a:solidFill>
-              <a:latin typeface="Calibri" panose="020F0502020204030204"/>
-            </a:endParaRPr>
-          </a:p>
-          <a:p>
-            <a:pPr>
-              <a:lnSpc>
-                <a:spcPct val="90000"/>
-              </a:lnSpc>
-              <a:spcBef>
-                <a:spcPts val="750"/>
-              </a:spcBef>
-              <a:buNone/>
-              <a:tabLst>
-                <a:tab pos="0" algn="l"/>
-              </a:tabLst>
-            </a:pPr>
-            <a:r>
-              <a:rPr lang="en-US" sz="2100" b="0" strike="noStrike" spc="-1">
-                <a:solidFill>
-                  <a:srgbClr val="000000"/>
-                </a:solidFill>
-                <a:latin typeface="Calibri" panose="020F0502020204030204"/>
-              </a:rPr>
-              <a:t>                                       </a:t>
-            </a:r>
-            <a:r>
-              <a:rPr lang="en-US" sz="2600" b="1" strike="noStrike" spc="-1">
-                <a:solidFill>
-                  <a:srgbClr val="000000"/>
-                </a:solidFill>
-                <a:latin typeface="Calibri" panose="020F0502020204030204"/>
-              </a:rPr>
-              <a:t>B = (D + U)/2</a:t>
-            </a:r>
-            <a:r>
-              <a:rPr lang="en-US" sz="2100" b="0" strike="noStrike" spc="-1">
-                <a:solidFill>
-                  <a:srgbClr val="000000"/>
-                </a:solidFill>
-                <a:latin typeface="Calibri" panose="020F0502020204030204"/>
-              </a:rPr>
-              <a:t> </a:t>
-            </a:r>
-            <a:endParaRPr lang="en-US" sz="2100" b="0" strike="noStrike" spc="-1">
-              <a:solidFill>
-                <a:srgbClr val="000000"/>
-              </a:solidFill>
-              <a:latin typeface="Calibri" panose="020F0502020204030204"/>
-            </a:endParaRPr>
-          </a:p>
-          <a:p>
-            <a:pPr>
-              <a:lnSpc>
-                <a:spcPct val="90000"/>
-              </a:lnSpc>
-              <a:spcBef>
-                <a:spcPts val="750"/>
-              </a:spcBef>
-              <a:buNone/>
-              <a:tabLst>
-                <a:tab pos="0" algn="l"/>
-              </a:tabLst>
-            </a:pPr>
-            <a:r>
-              <a:rPr lang="en-US" sz="2100" b="0" strike="noStrike" spc="-1">
-                <a:solidFill>
-                  <a:srgbClr val="000000"/>
-                </a:solidFill>
-                <a:latin typeface="Calibri" panose="020F0502020204030204"/>
-              </a:rPr>
-              <a:t>	</a:t>
-            </a:r>
-            <a:r>
-              <a:rPr lang="en-US" sz="2100" b="0" strike="noStrike" spc="-1">
-                <a:solidFill>
-                  <a:srgbClr val="000000"/>
-                </a:solidFill>
-                <a:latin typeface="Calibri" panose="020F0502020204030204"/>
-              </a:rPr>
-              <a:t>	</a:t>
-            </a:r>
-            <a:endParaRPr lang="en-US" sz="2100" b="0" strike="noStrike" spc="-1">
-              <a:solidFill>
-                <a:srgbClr val="000000"/>
-              </a:solidFill>
-              <a:latin typeface="Calibri" panose="020F0502020204030204"/>
-            </a:endParaRPr>
+              <a:t>		</a:t>
+            </a:r>
           </a:p>
           <a:p>
             <a:pPr>
@@ -7411,14 +7023,6 @@
   <p:clrMapOvr>
     <a:masterClrMapping/>
   </p:clrMapOvr>
-  <mc:AlternateContent xmlns:mc="http://schemas.openxmlformats.org/markup-compatibility/2006">
-    <mc:Choice xmlns:p14="http://schemas.microsoft.com/office/powerpoint/2010/main" Requires="p14">
-      <p:transition spd="slow" p14:dur="2000"/>
-    </mc:Choice>
-    <mc:Fallback>
-      <p:transition spd="slow"/>
-    </mc:Fallback>
-  </mc:AlternateContent>
 </p:sld>
 </file>
 
@@ -7466,6 +7070,7 @@
           <a:bodyPr anchor="t">
             <a:noAutofit/>
           </a:bodyPr>
+          <a:lstStyle/>
           <a:p>
             <a:pPr>
               <a:lnSpc>
@@ -7526,6 +7131,29 @@
               </a:rPr>
               <a:t>A boatman goes 2 km against the current of the stream in 1 hour and goes 1 km along the current in 10 minutes. How long will it take to go 5 km in stationary water? </a:t>
             </a:r>
+          </a:p>
+          <a:p>
+            <a:pPr>
+              <a:lnSpc>
+                <a:spcPct val="90000"/>
+              </a:lnSpc>
+              <a:spcBef>
+                <a:spcPts val="750"/>
+              </a:spcBef>
+              <a:buNone/>
+              <a:tabLst>
+                <a:tab pos="0" algn="l"/>
+              </a:tabLst>
+            </a:pPr>
+            <a:r>
+              <a:rPr lang="en-US" sz="2600" b="1" strike="noStrike" spc="-1">
+                <a:solidFill>
+                  <a:srgbClr val="000000"/>
+                </a:solidFill>
+                <a:latin typeface="Calibri" panose="020F0502020204030204"/>
+              </a:rPr>
+              <a:t>Solution:</a:t>
+            </a:r>
             <a:endParaRPr lang="en-US" sz="2600" b="0" strike="noStrike" spc="-1">
               <a:solidFill>
                 <a:srgbClr val="000000"/>
@@ -7547,20 +7175,14 @@
               </a:tabLst>
             </a:pPr>
             <a:r>
-              <a:rPr lang="en-US" sz="2600" b="1" strike="noStrike" spc="-1">
-                <a:solidFill>
-                  <a:srgbClr val="000000"/>
-                </a:solidFill>
-                <a:latin typeface="Calibri" panose="020F0502020204030204"/>
-              </a:rPr>
-              <a:t>Solution:</a:t>
-            </a:r>
-            <a:endParaRPr lang="en-US" sz="2600" b="0" strike="noStrike" spc="-1">
-              <a:solidFill>
-                <a:srgbClr val="000000"/>
-              </a:solidFill>
-              <a:latin typeface="Calibri" panose="020F0502020204030204"/>
-            </a:endParaRPr>
+              <a:rPr lang="en-US" sz="2600" b="0" strike="noStrike" spc="-1">
+                <a:solidFill>
+                  <a:srgbClr val="000000"/>
+                </a:solidFill>
+                <a:latin typeface="Calibri" panose="020F0502020204030204"/>
+              </a:rPr>
+              <a:t>Rate downstream = 1/10 × 60 km/h = 6 km/h </a:t>
+            </a:r>
           </a:p>
           <a:p>
             <a:pPr>
@@ -7582,14 +7204,8 @@
                 </a:solidFill>
                 <a:latin typeface="Calibri" panose="020F0502020204030204"/>
               </a:rPr>
-              <a:t>Rate downstream = 1/10 × 60 km/h = 6 km/h </a:t>
-            </a:r>
-            <a:endParaRPr lang="en-US" sz="2600" b="0" strike="noStrike" spc="-1">
-              <a:solidFill>
-                <a:srgbClr val="000000"/>
-              </a:solidFill>
-              <a:latin typeface="Calibri" panose="020F0502020204030204"/>
-            </a:endParaRPr>
+              <a:t>Rate upstream = 2 km/h </a:t>
+            </a:r>
           </a:p>
           <a:p>
             <a:pPr>
@@ -7611,14 +7227,8 @@
                 </a:solidFill>
                 <a:latin typeface="Calibri" panose="020F0502020204030204"/>
               </a:rPr>
-              <a:t>Rate upstream = 2 km/h </a:t>
-            </a:r>
-            <a:endParaRPr lang="en-US" sz="2600" b="0" strike="noStrike" spc="-1">
-              <a:solidFill>
-                <a:srgbClr val="000000"/>
-              </a:solidFill>
-              <a:latin typeface="Calibri" panose="020F0502020204030204"/>
-            </a:endParaRPr>
+              <a:t>Speed in still water = 1/2(6 + 2) km/h = 4 km/h </a:t>
+            </a:r>
           </a:p>
           <a:p>
             <a:pPr>
@@ -7640,43 +7250,8 @@
                 </a:solidFill>
                 <a:latin typeface="Calibri" panose="020F0502020204030204"/>
               </a:rPr>
-              <a:t>Speed in still water = 1/2(6 + 2) km/h = 4 km/h </a:t>
-            </a:r>
-            <a:endParaRPr lang="en-US" sz="2600" b="0" strike="noStrike" spc="-1">
-              <a:solidFill>
-                <a:srgbClr val="000000"/>
-              </a:solidFill>
-              <a:latin typeface="Calibri" panose="020F0502020204030204"/>
-            </a:endParaRPr>
-          </a:p>
-          <a:p>
-            <a:pPr>
-              <a:lnSpc>
-                <a:spcPct val="90000"/>
-              </a:lnSpc>
-              <a:spcBef>
-                <a:spcPts val="750"/>
-              </a:spcBef>
-              <a:buNone/>
-              <a:tabLst>
-                <a:tab pos="0" algn="l"/>
-              </a:tabLst>
-            </a:pPr>
-            <a:r>
-              <a:rPr lang="en-US" sz="2600" b="0" strike="noStrike" spc="-1">
-                <a:solidFill>
-                  <a:srgbClr val="000000"/>
-                </a:solidFill>
-                <a:latin typeface="Calibri" panose="020F0502020204030204"/>
-              </a:rPr>
               <a:t>Therefore, the required time for 5 km = 5/4hrs = 1  ¼  hrs = 75 min.</a:t>
             </a:r>
-            <a:endParaRPr lang="en-US" sz="2600" b="0" strike="noStrike" spc="-1">
-              <a:solidFill>
-                <a:srgbClr val="000000"/>
-              </a:solidFill>
-              <a:latin typeface="Calibri" panose="020F0502020204030204"/>
-            </a:endParaRPr>
           </a:p>
         </p:txBody>
       </p:sp>
@@ -7685,14 +7260,6 @@
   <p:clrMapOvr>
     <a:masterClrMapping/>
   </p:clrMapOvr>
-  <mc:AlternateContent xmlns:mc="http://schemas.openxmlformats.org/markup-compatibility/2006">
-    <mc:Choice xmlns:p14="http://schemas.microsoft.com/office/powerpoint/2010/main" Requires="p14">
-      <p:transition spd="slow" p14:dur="2000"/>
-    </mc:Choice>
-    <mc:Fallback>
-      <p:transition spd="slow"/>
-    </mc:Fallback>
-  </mc:AlternateContent>
 </p:sld>
 </file>
 
@@ -7740,6 +7307,7 @@
           <a:bodyPr anchor="t">
             <a:normAutofit/>
           </a:bodyPr>
+          <a:lstStyle/>
           <a:p>
             <a:pPr>
               <a:lnSpc>
@@ -7754,7 +7322,7 @@
               </a:tabLst>
             </a:pPr>
             <a:r>
-              <a:rPr lang="en-US" sz="3150" b="1" strike="noStrike" spc="-1">
+              <a:rPr lang="en-US" sz="3150" b="1" strike="noStrike" spc="-1" dirty="0">
                 <a:solidFill>
                   <a:srgbClr val="000000"/>
                 </a:solidFill>
@@ -7762,7 +7330,7 @@
               </a:rPr>
               <a:t>Practice Questions:</a:t>
             </a:r>
-            <a:endParaRPr lang="en-US" sz="3150" b="0" strike="noStrike" spc="-1">
+            <a:endParaRPr lang="en-US" sz="3150" b="0" strike="noStrike" spc="-1" dirty="0">
               <a:solidFill>
                 <a:srgbClr val="000000"/>
               </a:solidFill>
@@ -7783,20 +7351,50 @@
               </a:tabLst>
             </a:pPr>
             <a:r>
-              <a:rPr lang="en-US" sz="2600" b="0" strike="noStrike" spc="-1">
-                <a:solidFill>
-                  <a:srgbClr val="000000"/>
-                </a:solidFill>
-                <a:latin typeface="Calibri" panose="020F0502020204030204"/>
-              </a:rPr>
-              <a:t>1. A boat takes a circular route to travel a total distance of 24 km to reach its initial position. The speed of the boat in still water is 5 km/hr and the speed of the stream is 3 km/h. How much time (in hrs) does the boat travel upstream and downstream respectively?</a:t>
-            </a:r>
-            <a:endParaRPr lang="en-US" sz="2600" b="0" strike="noStrike" spc="-1">
-              <a:solidFill>
-                <a:srgbClr val="000000"/>
-              </a:solidFill>
-              <a:latin typeface="Calibri" panose="020F0502020204030204"/>
-            </a:endParaRPr>
+              <a:rPr lang="en-US" sz="2600" b="0" strike="noStrike" spc="-1" dirty="0">
+                <a:solidFill>
+                  <a:srgbClr val="000000"/>
+                </a:solidFill>
+                <a:latin typeface="Calibri" panose="020F0502020204030204"/>
+              </a:rPr>
+              <a:t>1. A boat takes a circular route to travel a total distance of 24 km to reach its initial position. The speed of the boat in still water is 5 km/</a:t>
+            </a:r>
+            <a:r>
+              <a:rPr lang="en-US" sz="2600" b="0" strike="noStrike" spc="-1" dirty="0" err="1">
+                <a:solidFill>
+                  <a:srgbClr val="000000"/>
+                </a:solidFill>
+                <a:latin typeface="Calibri" panose="020F0502020204030204"/>
+              </a:rPr>
+              <a:t>hr</a:t>
+            </a:r>
+            <a:r>
+              <a:rPr lang="en-US" sz="2600" b="0" strike="noStrike" spc="-1" dirty="0">
+                <a:solidFill>
+                  <a:srgbClr val="000000"/>
+                </a:solidFill>
+                <a:latin typeface="Calibri" panose="020F0502020204030204"/>
+              </a:rPr>
+              <a:t> and the speed of the stream is 3 km/h. How much time (in </a:t>
+            </a:r>
+            <a:r>
+              <a:rPr lang="en-US" sz="2600" b="0" strike="noStrike" spc="-1" dirty="0" err="1">
+                <a:solidFill>
+                  <a:srgbClr val="000000"/>
+                </a:solidFill>
+                <a:latin typeface="Calibri" panose="020F0502020204030204"/>
+              </a:rPr>
+              <a:t>hrs</a:t>
+            </a:r>
+            <a:r>
+              <a:rPr lang="en-US" sz="2600" b="0" strike="noStrike" spc="-1" dirty="0">
+                <a:solidFill>
+                  <a:srgbClr val="000000"/>
+                </a:solidFill>
+                <a:latin typeface="Calibri" panose="020F0502020204030204"/>
+              </a:rPr>
+              <a:t>) does the boat travel upstream and downstream respectively?</a:t>
+            </a:r>
           </a:p>
           <a:p>
             <a:pPr marL="514350" indent="-514350">
@@ -7816,38 +7414,14 @@
               </a:tabLst>
             </a:pPr>
             <a:r>
-              <a:rPr lang="en-US" sz="2600" b="0" strike="noStrike" spc="-1">
-                <a:solidFill>
-                  <a:srgbClr val="000000"/>
-                </a:solidFill>
-                <a:latin typeface="Calibri" panose="020F0502020204030204"/>
-              </a:rPr>
-              <a:t>12, 3</a:t>
-            </a:r>
-            <a:r>
-              <a:rPr lang="en-US" sz="2600" b="0" strike="noStrike" spc="-1">
-                <a:solidFill>
-                  <a:srgbClr val="000000"/>
-                </a:solidFill>
-                <a:latin typeface="Calibri" panose="020F0502020204030204"/>
-              </a:rPr>
-              <a:t>	</a:t>
-            </a:r>
-            <a:r>
-              <a:rPr lang="en-US" sz="2600" b="0" strike="noStrike" spc="-1">
-                <a:solidFill>
-                  <a:srgbClr val="000000"/>
-                </a:solidFill>
-                <a:latin typeface="Calibri" panose="020F0502020204030204"/>
-              </a:rPr>
-              <a:t>	</a:t>
-            </a:r>
-            <a:endParaRPr lang="en-US" sz="2600" b="0" strike="noStrike" spc="-1">
-              <a:solidFill>
-                <a:srgbClr val="000000"/>
-              </a:solidFill>
-              <a:latin typeface="Calibri" panose="020F0502020204030204"/>
-            </a:endParaRPr>
+              <a:rPr lang="en-US" sz="2600" b="0" strike="noStrike" spc="-1" dirty="0">
+                <a:solidFill>
+                  <a:srgbClr val="000000"/>
+                </a:solidFill>
+                <a:latin typeface="Calibri" panose="020F0502020204030204"/>
+              </a:rPr>
+              <a:t>12, 3		</a:t>
+            </a:r>
           </a:p>
           <a:p>
             <a:pPr marL="514350" indent="-514350">
@@ -7867,38 +7441,14 @@
               </a:tabLst>
             </a:pPr>
             <a:r>
-              <a:rPr lang="en-US" sz="2600" b="0" strike="noStrike" spc="-1">
-                <a:solidFill>
-                  <a:srgbClr val="000000"/>
-                </a:solidFill>
-                <a:latin typeface="Calibri" panose="020F0502020204030204"/>
-              </a:rPr>
-              <a:t>3, 12</a:t>
-            </a:r>
-            <a:r>
-              <a:rPr lang="en-US" sz="2600" b="0" strike="noStrike" spc="-1">
-                <a:solidFill>
-                  <a:srgbClr val="000000"/>
-                </a:solidFill>
-                <a:latin typeface="Calibri" panose="020F0502020204030204"/>
-              </a:rPr>
-              <a:t>	</a:t>
-            </a:r>
-            <a:r>
-              <a:rPr lang="en-US" sz="2600" b="0" strike="noStrike" spc="-1">
-                <a:solidFill>
-                  <a:srgbClr val="000000"/>
-                </a:solidFill>
-                <a:latin typeface="Calibri" panose="020F0502020204030204"/>
-              </a:rPr>
-              <a:t>	</a:t>
-            </a:r>
-            <a:endParaRPr lang="en-US" sz="2600" b="0" strike="noStrike" spc="-1">
-              <a:solidFill>
-                <a:srgbClr val="000000"/>
-              </a:solidFill>
-              <a:latin typeface="Calibri" panose="020F0502020204030204"/>
-            </a:endParaRPr>
+              <a:rPr lang="en-US" sz="2600" b="0" strike="noStrike" spc="-1" dirty="0">
+                <a:solidFill>
+                  <a:srgbClr val="000000"/>
+                </a:solidFill>
+                <a:latin typeface="Calibri" panose="020F0502020204030204"/>
+              </a:rPr>
+              <a:t>3, 12		</a:t>
+            </a:r>
           </a:p>
           <a:p>
             <a:pPr marL="514350" indent="-514350">
@@ -7918,7 +7468,7 @@
               </a:tabLst>
             </a:pPr>
             <a:r>
-              <a:rPr lang="en-US" sz="2600" b="0" strike="noStrike" spc="-1">
+              <a:rPr lang="en-US" sz="2600" b="1" strike="noStrike" spc="-1" dirty="0">
                 <a:solidFill>
                   <a:srgbClr val="000000"/>
                 </a:solidFill>
@@ -7927,29 +7477,14 @@
               <a:t>5, 3</a:t>
             </a:r>
             <a:r>
-              <a:rPr lang="en-US" sz="2600" b="0" strike="noStrike" spc="-1">
-                <a:solidFill>
-                  <a:srgbClr val="000000"/>
-                </a:solidFill>
-                <a:latin typeface="Calibri" panose="020F0502020204030204"/>
-              </a:rPr>
-              <a:t>	</a:t>
-            </a:r>
-            <a:r>
-              <a:rPr lang="en-US" sz="2600" b="0" strike="noStrike" spc="-1">
-                <a:solidFill>
-                  <a:srgbClr val="000000"/>
-                </a:solidFill>
-                <a:latin typeface="Calibri" panose="020F0502020204030204"/>
-              </a:rPr>
-              <a:t>	</a:t>
-            </a:r>
-            <a:endParaRPr lang="en-US" sz="2600" b="0" strike="noStrike" spc="-1">
-              <a:solidFill>
-                <a:srgbClr val="000000"/>
-              </a:solidFill>
-              <a:latin typeface="Calibri" panose="020F0502020204030204"/>
-            </a:endParaRPr>
+              <a:rPr lang="en-US" sz="2600" b="0" strike="noStrike" spc="-1" dirty="0">
+                <a:solidFill>
+                  <a:srgbClr val="000000"/>
+                </a:solidFill>
+                <a:latin typeface="Calibri" panose="020F0502020204030204"/>
+              </a:rPr>
+              <a:t>		</a:t>
+            </a:r>
           </a:p>
           <a:p>
             <a:pPr marL="514350" indent="-514350">
@@ -7969,7 +7504,7 @@
               </a:tabLst>
             </a:pPr>
             <a:r>
-              <a:rPr lang="en-US" sz="2600" b="0" strike="noStrike" spc="-1">
+              <a:rPr lang="en-US" sz="2600" b="0" strike="noStrike" spc="-1" dirty="0">
                 <a:solidFill>
                   <a:srgbClr val="000000"/>
                 </a:solidFill>
@@ -7977,12 +7512,6 @@
               </a:rPr>
               <a:t>3, 5</a:t>
             </a:r>
-            <a:endParaRPr lang="en-US" sz="2600" b="0" strike="noStrike" spc="-1">
-              <a:solidFill>
-                <a:srgbClr val="000000"/>
-              </a:solidFill>
-              <a:latin typeface="Calibri" panose="020F0502020204030204"/>
-            </a:endParaRPr>
           </a:p>
           <a:p>
             <a:pPr>
@@ -7997,7 +7526,7 @@
                 <a:tab pos="0" algn="l"/>
               </a:tabLst>
             </a:pPr>
-            <a:endParaRPr lang="en-US" sz="2600" b="0" strike="noStrike" spc="-1">
+            <a:endParaRPr lang="en-US" sz="2600" b="0" strike="noStrike" spc="-1" dirty="0">
               <a:solidFill>
                 <a:srgbClr val="000000"/>
               </a:solidFill>
@@ -8011,14 +7540,6 @@
   <p:clrMapOvr>
     <a:masterClrMapping/>
   </p:clrMapOvr>
-  <mc:AlternateContent xmlns:mc="http://schemas.openxmlformats.org/markup-compatibility/2006">
-    <mc:Choice xmlns:p14="http://schemas.microsoft.com/office/powerpoint/2010/main" Requires="p14">
-      <p:transition spd="slow" p14:dur="2000"/>
-    </mc:Choice>
-    <mc:Fallback>
-      <p:transition spd="slow"/>
-    </mc:Fallback>
-  </mc:AlternateContent>
   <p:timing>
     <p:tnLst>
       <p:par>
@@ -8091,14 +7612,14 @@
                 </p:childTnLst>
               </p:cTn>
               <p:prevCondLst>
-                <p:cond evt="onPrev">
+                <p:cond evt="onPrev" delay="0">
                   <p:tgtEl>
                     <p:sldTgt/>
                   </p:tgtEl>
                 </p:cond>
               </p:prevCondLst>
               <p:nextCondLst>
-                <p:cond evt="onNext">
+                <p:cond evt="onNext" delay="0">
                   <p:tgtEl>
                     <p:sldTgt/>
                   </p:tgtEl>
@@ -8157,6 +7678,7 @@
           <a:bodyPr anchor="t">
             <a:noAutofit/>
           </a:bodyPr>
+          <a:lstStyle/>
           <a:p>
             <a:pPr>
               <a:lnSpc>
@@ -8171,7 +7693,7 @@
               </a:tabLst>
             </a:pPr>
             <a:r>
-              <a:rPr lang="en-US" sz="2600" b="0" strike="noStrike" spc="-1">
+              <a:rPr lang="en-US" sz="2600" b="0" strike="noStrike" spc="-1" dirty="0">
                 <a:solidFill>
                   <a:srgbClr val="000000"/>
                 </a:solidFill>
@@ -8179,7 +7701,129 @@
               </a:rPr>
               <a:t>2. Boat goes downstream from P to Q in 2hrs, upstream in 6hrs and if speed of stream is 6km/h, then find the distance PQ </a:t>
             </a:r>
-            <a:endParaRPr lang="en-US" sz="2600" b="0" strike="noStrike" spc="-1">
+          </a:p>
+          <a:p>
+            <a:pPr marL="514350" indent="-514350">
+              <a:lnSpc>
+                <a:spcPct val="90000"/>
+              </a:lnSpc>
+              <a:spcBef>
+                <a:spcPts val="750"/>
+              </a:spcBef>
+              <a:buClr>
+                <a:srgbClr val="000000"/>
+              </a:buClr>
+              <a:buFont typeface="Arial" panose="020B0604020202020204"/>
+              <a:buAutoNum type="alphaLcParenR"/>
+              <a:tabLst>
+                <a:tab pos="0" algn="l"/>
+              </a:tabLst>
+            </a:pPr>
+            <a:r>
+              <a:rPr lang="en-US" sz="2600" b="0" strike="noStrike" spc="-1" dirty="0">
+                <a:solidFill>
+                  <a:srgbClr val="000000"/>
+                </a:solidFill>
+                <a:latin typeface="Calibri" panose="020F0502020204030204"/>
+              </a:rPr>
+              <a:t>6 km		</a:t>
+            </a:r>
+          </a:p>
+          <a:p>
+            <a:pPr marL="514350" indent="-514350">
+              <a:lnSpc>
+                <a:spcPct val="90000"/>
+              </a:lnSpc>
+              <a:spcBef>
+                <a:spcPts val="750"/>
+              </a:spcBef>
+              <a:buClr>
+                <a:srgbClr val="000000"/>
+              </a:buClr>
+              <a:buFont typeface="Arial" panose="020B0604020202020204"/>
+              <a:buAutoNum type="alphaLcParenR"/>
+              <a:tabLst>
+                <a:tab pos="0" algn="l"/>
+              </a:tabLst>
+            </a:pPr>
+            <a:r>
+              <a:rPr lang="en-US" sz="2600" b="0" strike="noStrike" spc="-1" dirty="0">
+                <a:solidFill>
+                  <a:srgbClr val="000000"/>
+                </a:solidFill>
+                <a:latin typeface="Calibri" panose="020F0502020204030204"/>
+              </a:rPr>
+              <a:t>4 km		</a:t>
+            </a:r>
+          </a:p>
+          <a:p>
+            <a:pPr marL="514350" indent="-514350">
+              <a:lnSpc>
+                <a:spcPct val="90000"/>
+              </a:lnSpc>
+              <a:spcBef>
+                <a:spcPts val="750"/>
+              </a:spcBef>
+              <a:buClr>
+                <a:srgbClr val="000000"/>
+              </a:buClr>
+              <a:buFont typeface="Arial" panose="020B0604020202020204"/>
+              <a:buAutoNum type="alphaLcParenR"/>
+              <a:tabLst>
+                <a:tab pos="0" algn="l"/>
+              </a:tabLst>
+            </a:pPr>
+            <a:r>
+              <a:rPr lang="en-US" sz="2600" b="0" strike="noStrike" spc="-1" dirty="0">
+                <a:solidFill>
+                  <a:srgbClr val="000000"/>
+                </a:solidFill>
+                <a:latin typeface="Calibri" panose="020F0502020204030204"/>
+              </a:rPr>
+              <a:t>10 km		</a:t>
+            </a:r>
+          </a:p>
+          <a:p>
+            <a:pPr marL="514350" indent="-514350">
+              <a:lnSpc>
+                <a:spcPct val="90000"/>
+              </a:lnSpc>
+              <a:spcBef>
+                <a:spcPts val="750"/>
+              </a:spcBef>
+              <a:buClr>
+                <a:srgbClr val="000000"/>
+              </a:buClr>
+              <a:buFont typeface="Arial" panose="020B0604020202020204"/>
+              <a:buAutoNum type="alphaLcParenR"/>
+              <a:tabLst>
+                <a:tab pos="0" algn="l"/>
+              </a:tabLst>
+            </a:pPr>
+            <a:r>
+              <a:rPr lang="en-US" sz="2600" b="1" strike="noStrike" spc="-1" dirty="0">
+                <a:solidFill>
+                  <a:srgbClr val="000000"/>
+                </a:solidFill>
+                <a:latin typeface="Calibri" panose="020F0502020204030204"/>
+              </a:rPr>
+              <a:t>36 km </a:t>
+            </a:r>
+          </a:p>
+          <a:p>
+            <a:pPr>
+              <a:lnSpc>
+                <a:spcPct val="90000"/>
+              </a:lnSpc>
+              <a:spcBef>
+                <a:spcPts val="750"/>
+              </a:spcBef>
+              <a:buNone/>
+              <a:tabLst>
+                <a:tab pos="0" algn="l"/>
+              </a:tabLst>
+            </a:pPr>
+            <a:endParaRPr lang="en-US" sz="2600" b="0" strike="noStrike" spc="-1" dirty="0">
               <a:solidFill>
                 <a:srgbClr val="000000"/>
               </a:solidFill>
@@ -8187,192 +7831,6 @@
             </a:endParaRPr>
           </a:p>
           <a:p>
-            <a:pPr marL="514350" indent="-514350">
-              <a:lnSpc>
-                <a:spcPct val="90000"/>
-              </a:lnSpc>
-              <a:spcBef>
-                <a:spcPts val="750"/>
-              </a:spcBef>
-              <a:buClr>
-                <a:srgbClr val="000000"/>
-              </a:buClr>
-              <a:buFont typeface="Arial" panose="020B0604020202020204"/>
-              <a:buAutoNum type="alphaLcParenR"/>
-              <a:tabLst>
-                <a:tab pos="0" algn="l"/>
-              </a:tabLst>
-            </a:pPr>
-            <a:r>
-              <a:rPr lang="en-US" sz="2600" b="0" strike="noStrike" spc="-1">
-                <a:solidFill>
-                  <a:srgbClr val="000000"/>
-                </a:solidFill>
-                <a:latin typeface="Calibri" panose="020F0502020204030204"/>
-              </a:rPr>
-              <a:t>6 km</a:t>
-            </a:r>
-            <a:r>
-              <a:rPr lang="en-US" sz="2600" b="0" strike="noStrike" spc="-1">
-                <a:solidFill>
-                  <a:srgbClr val="000000"/>
-                </a:solidFill>
-                <a:latin typeface="Calibri" panose="020F0502020204030204"/>
-              </a:rPr>
-              <a:t>	</a:t>
-            </a:r>
-            <a:r>
-              <a:rPr lang="en-US" sz="2600" b="0" strike="noStrike" spc="-1">
-                <a:solidFill>
-                  <a:srgbClr val="000000"/>
-                </a:solidFill>
-                <a:latin typeface="Calibri" panose="020F0502020204030204"/>
-              </a:rPr>
-              <a:t>	</a:t>
-            </a:r>
-            <a:endParaRPr lang="en-US" sz="2600" b="0" strike="noStrike" spc="-1">
-              <a:solidFill>
-                <a:srgbClr val="000000"/>
-              </a:solidFill>
-              <a:latin typeface="Calibri" panose="020F0502020204030204"/>
-            </a:endParaRPr>
-          </a:p>
-          <a:p>
-            <a:pPr marL="514350" indent="-514350">
-              <a:lnSpc>
-                <a:spcPct val="90000"/>
-              </a:lnSpc>
-              <a:spcBef>
-                <a:spcPts val="750"/>
-              </a:spcBef>
-              <a:buClr>
-                <a:srgbClr val="000000"/>
-              </a:buClr>
-              <a:buFont typeface="Arial" panose="020B0604020202020204"/>
-              <a:buAutoNum type="alphaLcParenR"/>
-              <a:tabLst>
-                <a:tab pos="0" algn="l"/>
-              </a:tabLst>
-            </a:pPr>
-            <a:r>
-              <a:rPr lang="en-US" sz="2600" b="0" strike="noStrike" spc="-1">
-                <a:solidFill>
-                  <a:srgbClr val="000000"/>
-                </a:solidFill>
-                <a:latin typeface="Calibri" panose="020F0502020204030204"/>
-              </a:rPr>
-              <a:t>4 km</a:t>
-            </a:r>
-            <a:r>
-              <a:rPr lang="en-US" sz="2600" b="0" strike="noStrike" spc="-1">
-                <a:solidFill>
-                  <a:srgbClr val="000000"/>
-                </a:solidFill>
-                <a:latin typeface="Calibri" panose="020F0502020204030204"/>
-              </a:rPr>
-              <a:t>	</a:t>
-            </a:r>
-            <a:r>
-              <a:rPr lang="en-US" sz="2600" b="0" strike="noStrike" spc="-1">
-                <a:solidFill>
-                  <a:srgbClr val="000000"/>
-                </a:solidFill>
-                <a:latin typeface="Calibri" panose="020F0502020204030204"/>
-              </a:rPr>
-              <a:t>	</a:t>
-            </a:r>
-            <a:endParaRPr lang="en-US" sz="2600" b="0" strike="noStrike" spc="-1">
-              <a:solidFill>
-                <a:srgbClr val="000000"/>
-              </a:solidFill>
-              <a:latin typeface="Calibri" panose="020F0502020204030204"/>
-            </a:endParaRPr>
-          </a:p>
-          <a:p>
-            <a:pPr marL="514350" indent="-514350">
-              <a:lnSpc>
-                <a:spcPct val="90000"/>
-              </a:lnSpc>
-              <a:spcBef>
-                <a:spcPts val="750"/>
-              </a:spcBef>
-              <a:buClr>
-                <a:srgbClr val="000000"/>
-              </a:buClr>
-              <a:buFont typeface="Arial" panose="020B0604020202020204"/>
-              <a:buAutoNum type="alphaLcParenR"/>
-              <a:tabLst>
-                <a:tab pos="0" algn="l"/>
-              </a:tabLst>
-            </a:pPr>
-            <a:r>
-              <a:rPr lang="en-US" sz="2600" b="0" strike="noStrike" spc="-1">
-                <a:solidFill>
-                  <a:srgbClr val="000000"/>
-                </a:solidFill>
-                <a:latin typeface="Calibri" panose="020F0502020204030204"/>
-              </a:rPr>
-              <a:t>10 km</a:t>
-            </a:r>
-            <a:r>
-              <a:rPr lang="en-US" sz="2600" b="0" strike="noStrike" spc="-1">
-                <a:solidFill>
-                  <a:srgbClr val="000000"/>
-                </a:solidFill>
-                <a:latin typeface="Calibri" panose="020F0502020204030204"/>
-              </a:rPr>
-              <a:t>	</a:t>
-            </a:r>
-            <a:r>
-              <a:rPr lang="en-US" sz="2600" b="0" strike="noStrike" spc="-1">
-                <a:solidFill>
-                  <a:srgbClr val="000000"/>
-                </a:solidFill>
-                <a:latin typeface="Calibri" panose="020F0502020204030204"/>
-              </a:rPr>
-              <a:t>	</a:t>
-            </a:r>
-            <a:endParaRPr lang="en-US" sz="2600" b="0" strike="noStrike" spc="-1">
-              <a:solidFill>
-                <a:srgbClr val="000000"/>
-              </a:solidFill>
-              <a:latin typeface="Calibri" panose="020F0502020204030204"/>
-            </a:endParaRPr>
-          </a:p>
-          <a:p>
-            <a:pPr marL="514350" indent="-514350">
-              <a:lnSpc>
-                <a:spcPct val="90000"/>
-              </a:lnSpc>
-              <a:spcBef>
-                <a:spcPts val="750"/>
-              </a:spcBef>
-              <a:buClr>
-                <a:srgbClr val="000000"/>
-              </a:buClr>
-              <a:buFont typeface="Arial" panose="020B0604020202020204"/>
-              <a:buAutoNum type="alphaLcParenR"/>
-              <a:tabLst>
-                <a:tab pos="0" algn="l"/>
-              </a:tabLst>
-            </a:pPr>
-            <a:r>
-              <a:rPr lang="en-US" sz="2600" b="0" strike="noStrike" spc="-1">
-                <a:solidFill>
-                  <a:srgbClr val="000000"/>
-                </a:solidFill>
-                <a:latin typeface="Calibri" panose="020F0502020204030204"/>
-              </a:rPr>
-              <a:t>36 km </a:t>
-            </a:r>
-            <a:endParaRPr lang="en-US" sz="2600" b="0" strike="noStrike" spc="-1">
-              <a:solidFill>
-                <a:srgbClr val="000000"/>
-              </a:solidFill>
-              <a:latin typeface="Calibri" panose="020F0502020204030204"/>
-            </a:endParaRPr>
-          </a:p>
-          <a:p>
             <a:pPr>
               <a:lnSpc>
                 <a:spcPct val="90000"/>
@@ -8385,28 +7843,8 @@
                 <a:tab pos="0" algn="l"/>
               </a:tabLst>
             </a:pPr>
-            <a:endParaRPr lang="en-US" sz="2600" b="0" strike="noStrike" spc="-1">
-              <a:solidFill>
-                <a:srgbClr val="000000"/>
-              </a:solidFill>
-              <a:latin typeface="Calibri" panose="020F0502020204030204"/>
-            </a:endParaRPr>
-          </a:p>
-          <a:p>
-            <a:pPr>
-              <a:lnSpc>
-                <a:spcPct val="90000"/>
-              </a:lnSpc>
-              <a:spcBef>
-                <a:spcPts val="750"/>
-              </a:spcBef>
-              <a:buNone/>
-              <a:tabLst>
-                <a:tab pos="0" algn="l"/>
-              </a:tabLst>
-            </a:pPr>
-            <a:r>
-              <a:rPr lang="en-US" sz="2600" b="0" strike="noStrike" spc="-1">
+            <a:r>
+              <a:rPr lang="en-US" sz="2600" b="0" strike="noStrike" spc="-1" dirty="0">
                 <a:solidFill>
                   <a:srgbClr val="000000"/>
                 </a:solidFill>
@@ -8414,12 +7852,6 @@
               </a:rPr>
               <a:t> </a:t>
             </a:r>
-            <a:endParaRPr lang="en-US" sz="2600" b="0" strike="noStrike" spc="-1">
-              <a:solidFill>
-                <a:srgbClr val="000000"/>
-              </a:solidFill>
-              <a:latin typeface="Calibri" panose="020F0502020204030204"/>
-            </a:endParaRPr>
           </a:p>
         </p:txBody>
       </p:sp>
@@ -8428,14 +7860,6 @@
   <p:clrMapOvr>
     <a:masterClrMapping/>
   </p:clrMapOvr>
-  <mc:AlternateContent xmlns:mc="http://schemas.openxmlformats.org/markup-compatibility/2006">
-    <mc:Choice xmlns:p14="http://schemas.microsoft.com/office/powerpoint/2010/main" Requires="p14">
-      <p:transition spd="slow" p14:dur="2000"/>
-    </mc:Choice>
-    <mc:Fallback>
-      <p:transition spd="slow"/>
-    </mc:Fallback>
-  </mc:AlternateContent>
   <p:timing>
     <p:tnLst>
       <p:par>
@@ -8508,14 +7932,14 @@
                 </p:childTnLst>
               </p:cTn>
               <p:prevCondLst>
-                <p:cond evt="onPrev">
+                <p:cond evt="onPrev" delay="0">
                   <p:tgtEl>
                     <p:sldTgt/>
                   </p:tgtEl>
                 </p:cond>
               </p:prevCondLst>
               <p:nextCondLst>
-                <p:cond evt="onNext">
+                <p:cond evt="onNext" delay="0">
                   <p:tgtEl>
                     <p:sldTgt/>
                   </p:tgtEl>
@@ -8574,6 +7998,7 @@
           <a:bodyPr anchor="t">
             <a:noAutofit/>
           </a:bodyPr>
+          <a:lstStyle/>
           <a:p>
             <a:pPr>
               <a:lnSpc>
@@ -8588,7 +8013,7 @@
               </a:tabLst>
             </a:pPr>
             <a:r>
-              <a:rPr lang="en-US" sz="2600" b="0" strike="noStrike" spc="-1">
+              <a:rPr lang="en-US" sz="2600" b="0" strike="noStrike" spc="-1" dirty="0">
                 <a:solidFill>
                   <a:srgbClr val="000000"/>
                 </a:solidFill>
@@ -8596,7 +8021,178 @@
               </a:rPr>
               <a:t>3. A river runs at 4 km/hr. if the time taken by a man to row is boat upstream is thrice as the time taken by him to row it downstream then find the speed of the boat in still water.</a:t>
             </a:r>
-            <a:endParaRPr lang="en-US" sz="2600" b="0" strike="noStrike" spc="-1">
+          </a:p>
+          <a:p>
+            <a:pPr marL="514350" indent="-514350">
+              <a:lnSpc>
+                <a:spcPct val="90000"/>
+              </a:lnSpc>
+              <a:spcBef>
+                <a:spcPts val="750"/>
+              </a:spcBef>
+              <a:buClr>
+                <a:srgbClr val="000000"/>
+              </a:buClr>
+              <a:buFont typeface="Arial" panose="020B0604020202020204"/>
+              <a:buAutoNum type="alphaLcParenR"/>
+              <a:tabLst>
+                <a:tab pos="0" algn="l"/>
+              </a:tabLst>
+            </a:pPr>
+            <a:r>
+              <a:rPr lang="en-US" sz="2600" b="0" strike="noStrike" spc="-1" dirty="0">
+                <a:solidFill>
+                  <a:srgbClr val="000000"/>
+                </a:solidFill>
+                <a:latin typeface="Calibri" panose="020F0502020204030204"/>
+              </a:rPr>
+              <a:t>16 km/</a:t>
+            </a:r>
+            <a:r>
+              <a:rPr lang="en-US" sz="2600" b="0" strike="noStrike" spc="-1" dirty="0" err="1">
+                <a:solidFill>
+                  <a:srgbClr val="000000"/>
+                </a:solidFill>
+                <a:latin typeface="Calibri" panose="020F0502020204030204"/>
+              </a:rPr>
+              <a:t>hr</a:t>
+            </a:r>
+            <a:r>
+              <a:rPr lang="en-US" sz="2600" b="0" strike="noStrike" spc="-1" dirty="0">
+                <a:solidFill>
+                  <a:srgbClr val="000000"/>
+                </a:solidFill>
+                <a:latin typeface="Calibri" panose="020F0502020204030204"/>
+              </a:rPr>
+              <a:t>	</a:t>
+            </a:r>
+          </a:p>
+          <a:p>
+            <a:pPr marL="514350" indent="-514350">
+              <a:lnSpc>
+                <a:spcPct val="90000"/>
+              </a:lnSpc>
+              <a:spcBef>
+                <a:spcPts val="750"/>
+              </a:spcBef>
+              <a:buClr>
+                <a:srgbClr val="000000"/>
+              </a:buClr>
+              <a:buFont typeface="Arial" panose="020B0604020202020204"/>
+              <a:buAutoNum type="alphaLcParenR"/>
+              <a:tabLst>
+                <a:tab pos="0" algn="l"/>
+              </a:tabLst>
+            </a:pPr>
+            <a:r>
+              <a:rPr lang="en-US" sz="2600" b="1" strike="noStrike" spc="-1" dirty="0">
+                <a:solidFill>
+                  <a:srgbClr val="000000"/>
+                </a:solidFill>
+                <a:latin typeface="Calibri" panose="020F0502020204030204"/>
+              </a:rPr>
+              <a:t>8 km/</a:t>
+            </a:r>
+            <a:r>
+              <a:rPr lang="en-US" sz="2600" b="1" strike="noStrike" spc="-1" dirty="0" err="1">
+                <a:solidFill>
+                  <a:srgbClr val="000000"/>
+                </a:solidFill>
+                <a:latin typeface="Calibri" panose="020F0502020204030204"/>
+              </a:rPr>
+              <a:t>hr</a:t>
+            </a:r>
+            <a:r>
+              <a:rPr lang="en-US" sz="2600" b="0" strike="noStrike" spc="-1" dirty="0">
+                <a:solidFill>
+                  <a:srgbClr val="000000"/>
+                </a:solidFill>
+                <a:latin typeface="Calibri" panose="020F0502020204030204"/>
+              </a:rPr>
+              <a:t>	</a:t>
+            </a:r>
+          </a:p>
+          <a:p>
+            <a:pPr marL="514350" indent="-514350">
+              <a:lnSpc>
+                <a:spcPct val="90000"/>
+              </a:lnSpc>
+              <a:spcBef>
+                <a:spcPts val="750"/>
+              </a:spcBef>
+              <a:buClr>
+                <a:srgbClr val="000000"/>
+              </a:buClr>
+              <a:buFont typeface="Arial" panose="020B0604020202020204"/>
+              <a:buAutoNum type="alphaLcParenR"/>
+              <a:tabLst>
+                <a:tab pos="0" algn="l"/>
+              </a:tabLst>
+            </a:pPr>
+            <a:r>
+              <a:rPr lang="en-US" sz="2600" b="0" strike="noStrike" spc="-1" dirty="0">
+                <a:solidFill>
+                  <a:srgbClr val="000000"/>
+                </a:solidFill>
+                <a:latin typeface="Calibri" panose="020F0502020204030204"/>
+              </a:rPr>
+              <a:t>6 km/</a:t>
+            </a:r>
+            <a:r>
+              <a:rPr lang="en-US" sz="2600" b="0" strike="noStrike" spc="-1" dirty="0" err="1">
+                <a:solidFill>
+                  <a:srgbClr val="000000"/>
+                </a:solidFill>
+                <a:latin typeface="Calibri" panose="020F0502020204030204"/>
+              </a:rPr>
+              <a:t>hr</a:t>
+            </a:r>
+            <a:r>
+              <a:rPr lang="en-US" sz="2600" b="0" strike="noStrike" spc="-1" dirty="0">
+                <a:solidFill>
+                  <a:srgbClr val="000000"/>
+                </a:solidFill>
+                <a:latin typeface="Calibri" panose="020F0502020204030204"/>
+              </a:rPr>
+              <a:t>	</a:t>
+            </a:r>
+          </a:p>
+          <a:p>
+            <a:pPr marL="514350" indent="-514350">
+              <a:lnSpc>
+                <a:spcPct val="90000"/>
+              </a:lnSpc>
+              <a:spcBef>
+                <a:spcPts val="750"/>
+              </a:spcBef>
+              <a:buClr>
+                <a:srgbClr val="000000"/>
+              </a:buClr>
+              <a:buFont typeface="Arial" panose="020B0604020202020204"/>
+              <a:buAutoNum type="alphaLcParenR"/>
+              <a:tabLst>
+                <a:tab pos="0" algn="l"/>
+              </a:tabLst>
+            </a:pPr>
+            <a:r>
+              <a:rPr lang="en-US" sz="2600" b="0" strike="noStrike" spc="-1" dirty="0">
+                <a:solidFill>
+                  <a:srgbClr val="000000"/>
+                </a:solidFill>
+                <a:latin typeface="Calibri" panose="020F0502020204030204"/>
+              </a:rPr>
+              <a:t>12 km/</a:t>
+            </a:r>
+            <a:r>
+              <a:rPr lang="en-US" sz="2600" b="0" strike="noStrike" spc="-1" dirty="0" err="1">
+                <a:solidFill>
+                  <a:srgbClr val="000000"/>
+                </a:solidFill>
+                <a:latin typeface="Calibri" panose="020F0502020204030204"/>
+              </a:rPr>
+              <a:t>hr</a:t>
+            </a:r>
+            <a:endParaRPr lang="en-US" sz="2600" b="0" strike="noStrike" spc="-1" dirty="0">
               <a:solidFill>
                 <a:srgbClr val="000000"/>
               </a:solidFill>
@@ -8604,41 +8200,19 @@
             </a:endParaRPr>
           </a:p>
           <a:p>
-            <a:pPr marL="514350" indent="-514350">
-              <a:lnSpc>
-                <a:spcPct val="90000"/>
-              </a:lnSpc>
-              <a:spcBef>
-                <a:spcPts val="750"/>
-              </a:spcBef>
-              <a:buClr>
-                <a:srgbClr val="000000"/>
-              </a:buClr>
-              <a:buFont typeface="Arial" panose="020B0604020202020204"/>
-              <a:buAutoNum type="alphaLcParenR"/>
-              <a:tabLst>
-                <a:tab pos="0" algn="l"/>
-              </a:tabLst>
-            </a:pPr>
-            <a:r>
-              <a:rPr lang="en-US" sz="2600" b="0" strike="noStrike" spc="-1">
-                <a:solidFill>
-                  <a:srgbClr val="000000"/>
-                </a:solidFill>
-                <a:latin typeface="Calibri" panose="020F0502020204030204"/>
-              </a:rPr>
-              <a:t>16 km/hr</a:t>
-            </a:r>
-            <a:r>
-              <a:rPr lang="en-US" sz="2600" b="0" strike="noStrike" spc="-1">
-                <a:solidFill>
-                  <a:srgbClr val="000000"/>
-                </a:solidFill>
-                <a:latin typeface="Calibri" panose="020F0502020204030204"/>
-              </a:rPr>
-              <a:t>	</a:t>
-            </a:r>
-            <a:endParaRPr lang="en-US" sz="2600" b="0" strike="noStrike" spc="-1">
+            <a:pPr>
+              <a:lnSpc>
+                <a:spcPct val="90000"/>
+              </a:lnSpc>
+              <a:spcBef>
+                <a:spcPts val="750"/>
+              </a:spcBef>
+              <a:buNone/>
+              <a:tabLst>
+                <a:tab pos="0" algn="l"/>
+              </a:tabLst>
+            </a:pPr>
+            <a:endParaRPr lang="en-US" sz="2600" b="0" strike="noStrike" spc="-1" dirty="0">
               <a:solidFill>
                 <a:srgbClr val="000000"/>
               </a:solidFill>
@@ -8646,123 +8220,6 @@
             </a:endParaRPr>
           </a:p>
           <a:p>
-            <a:pPr marL="514350" indent="-514350">
-              <a:lnSpc>
-                <a:spcPct val="90000"/>
-              </a:lnSpc>
-              <a:spcBef>
-                <a:spcPts val="750"/>
-              </a:spcBef>
-              <a:buClr>
-                <a:srgbClr val="000000"/>
-              </a:buClr>
-              <a:buFont typeface="Arial" panose="020B0604020202020204"/>
-              <a:buAutoNum type="alphaLcParenR"/>
-              <a:tabLst>
-                <a:tab pos="0" algn="l"/>
-              </a:tabLst>
-            </a:pPr>
-            <a:r>
-              <a:rPr lang="en-US" sz="2600" b="0" strike="noStrike" spc="-1">
-                <a:solidFill>
-                  <a:srgbClr val="000000"/>
-                </a:solidFill>
-                <a:latin typeface="Calibri" panose="020F0502020204030204"/>
-              </a:rPr>
-              <a:t>8 km/hr</a:t>
-            </a:r>
-            <a:r>
-              <a:rPr lang="en-US" sz="2600" b="0" strike="noStrike" spc="-1">
-                <a:solidFill>
-                  <a:srgbClr val="000000"/>
-                </a:solidFill>
-                <a:latin typeface="Calibri" panose="020F0502020204030204"/>
-              </a:rPr>
-              <a:t>	</a:t>
-            </a:r>
-            <a:endParaRPr lang="en-US" sz="2600" b="0" strike="noStrike" spc="-1">
-              <a:solidFill>
-                <a:srgbClr val="000000"/>
-              </a:solidFill>
-              <a:latin typeface="Calibri" panose="020F0502020204030204"/>
-            </a:endParaRPr>
-          </a:p>
-          <a:p>
-            <a:pPr marL="514350" indent="-514350">
-              <a:lnSpc>
-                <a:spcPct val="90000"/>
-              </a:lnSpc>
-              <a:spcBef>
-                <a:spcPts val="750"/>
-              </a:spcBef>
-              <a:buClr>
-                <a:srgbClr val="000000"/>
-              </a:buClr>
-              <a:buFont typeface="Arial" panose="020B0604020202020204"/>
-              <a:buAutoNum type="alphaLcParenR"/>
-              <a:tabLst>
-                <a:tab pos="0" algn="l"/>
-              </a:tabLst>
-            </a:pPr>
-            <a:r>
-              <a:rPr lang="en-US" sz="2600" b="0" strike="noStrike" spc="-1">
-                <a:solidFill>
-                  <a:srgbClr val="000000"/>
-                </a:solidFill>
-                <a:latin typeface="Calibri" panose="020F0502020204030204"/>
-              </a:rPr>
-              <a:t>6 km/hr</a:t>
-            </a:r>
-            <a:r>
-              <a:rPr lang="en-US" sz="2600" b="0" strike="noStrike" spc="-1">
-                <a:solidFill>
-                  <a:srgbClr val="000000"/>
-                </a:solidFill>
-                <a:latin typeface="Calibri" panose="020F0502020204030204"/>
-              </a:rPr>
-              <a:t>	</a:t>
-            </a:r>
-            <a:endParaRPr lang="en-US" sz="2600" b="0" strike="noStrike" spc="-1">
-              <a:solidFill>
-                <a:srgbClr val="000000"/>
-              </a:solidFill>
-              <a:latin typeface="Calibri" panose="020F0502020204030204"/>
-            </a:endParaRPr>
-          </a:p>
-          <a:p>
-            <a:pPr marL="514350" indent="-514350">
-              <a:lnSpc>
-                <a:spcPct val="90000"/>
-              </a:lnSpc>
-              <a:spcBef>
-                <a:spcPts val="750"/>
-              </a:spcBef>
-              <a:buClr>
-                <a:srgbClr val="000000"/>
-              </a:buClr>
-              <a:buFont typeface="Arial" panose="020B0604020202020204"/>
-              <a:buAutoNum type="alphaLcParenR"/>
-              <a:tabLst>
-                <a:tab pos="0" algn="l"/>
-              </a:tabLst>
-            </a:pPr>
-            <a:r>
-              <a:rPr lang="en-US" sz="2600" b="0" strike="noStrike" spc="-1">
-                <a:solidFill>
-                  <a:srgbClr val="000000"/>
-                </a:solidFill>
-                <a:latin typeface="Calibri" panose="020F0502020204030204"/>
-              </a:rPr>
-              <a:t>12 km/hr</a:t>
-            </a:r>
-            <a:endParaRPr lang="en-US" sz="2600" b="0" strike="noStrike" spc="-1">
-              <a:solidFill>
-                <a:srgbClr val="000000"/>
-              </a:solidFill>
-              <a:latin typeface="Calibri" panose="020F0502020204030204"/>
-            </a:endParaRPr>
-          </a:p>
-          <a:p>
             <a:pPr>
               <a:lnSpc>
                 <a:spcPct val="90000"/>
@@ -8775,27 +8232,7 @@
                 <a:tab pos="0" algn="l"/>
               </a:tabLst>
             </a:pPr>
-            <a:endParaRPr lang="en-US" sz="2600" b="0" strike="noStrike" spc="-1">
-              <a:solidFill>
-                <a:srgbClr val="000000"/>
-              </a:solidFill>
-              <a:latin typeface="Calibri" panose="020F0502020204030204"/>
-            </a:endParaRPr>
-          </a:p>
-          <a:p>
-            <a:pPr>
-              <a:lnSpc>
-                <a:spcPct val="90000"/>
-              </a:lnSpc>
-              <a:spcBef>
-                <a:spcPts val="750"/>
-              </a:spcBef>
-              <a:buNone/>
-              <a:tabLst>
-                <a:tab pos="0" algn="l"/>
-              </a:tabLst>
-            </a:pPr>
-            <a:endParaRPr lang="en-US" sz="2600" b="0" strike="noStrike" spc="-1">
+            <a:endParaRPr lang="en-US" sz="2600" b="0" strike="noStrike" spc="-1" dirty="0">
               <a:solidFill>
                 <a:srgbClr val="000000"/>
               </a:solidFill>
@@ -8809,14 +8246,6 @@
   <p:clrMapOvr>
     <a:masterClrMapping/>
   </p:clrMapOvr>
-  <mc:AlternateContent xmlns:mc="http://schemas.openxmlformats.org/markup-compatibility/2006">
-    <mc:Choice xmlns:p14="http://schemas.microsoft.com/office/powerpoint/2010/main" Requires="p14">
-      <p:transition spd="slow" p14:dur="2000"/>
-    </mc:Choice>
-    <mc:Fallback>
-      <p:transition spd="slow"/>
-    </mc:Fallback>
-  </mc:AlternateContent>
   <p:timing>
     <p:tnLst>
       <p:par>
@@ -8889,14 +8318,14 @@
                 </p:childTnLst>
               </p:cTn>
               <p:prevCondLst>
-                <p:cond evt="onPrev">
+                <p:cond evt="onPrev" delay="0">
                   <p:tgtEl>
                     <p:sldTgt/>
                   </p:tgtEl>
                 </p:cond>
               </p:prevCondLst>
               <p:nextCondLst>
-                <p:cond evt="onNext">
+                <p:cond evt="onNext" delay="0">
                   <p:tgtEl>
                     <p:sldTgt/>
                   </p:tgtEl>
@@ -8955,6 +8384,7 @@
           <a:bodyPr anchor="t">
             <a:noAutofit/>
           </a:bodyPr>
+          <a:lstStyle/>
           <a:p>
             <a:pPr>
               <a:lnSpc>
@@ -8969,7 +8399,7 @@
               </a:tabLst>
             </a:pPr>
             <a:r>
-              <a:rPr lang="en-US" sz="2600" b="0" strike="noStrike" spc="-1">
+              <a:rPr lang="en-US" sz="2600" b="0" strike="noStrike" spc="-1" dirty="0">
                 <a:solidFill>
                   <a:srgbClr val="000000"/>
                 </a:solidFill>
@@ -8977,7 +8407,138 @@
               </a:rPr>
               <a:t>4. A motorboat whose speed is 15 km/h in still water goes 30 km downstream and comes back in a total of 4hrs 30min. What is the speed of the stream?</a:t>
             </a:r>
-            <a:endParaRPr lang="en-US" sz="2600" b="0" strike="noStrike" spc="-1">
+          </a:p>
+          <a:p>
+            <a:pPr marL="514350" indent="-514350">
+              <a:lnSpc>
+                <a:spcPct val="90000"/>
+              </a:lnSpc>
+              <a:spcBef>
+                <a:spcPts val="750"/>
+              </a:spcBef>
+              <a:buClr>
+                <a:srgbClr val="000000"/>
+              </a:buClr>
+              <a:buFont typeface="Arial" panose="020B0604020202020204"/>
+              <a:buAutoNum type="alphaLcParenR"/>
+              <a:tabLst>
+                <a:tab pos="0" algn="l"/>
+              </a:tabLst>
+            </a:pPr>
+            <a:r>
+              <a:rPr lang="en-US" sz="2600" b="1" strike="noStrike" spc="-1" dirty="0">
+                <a:solidFill>
+                  <a:srgbClr val="000000"/>
+                </a:solidFill>
+                <a:latin typeface="Calibri" panose="020F0502020204030204"/>
+              </a:rPr>
+              <a:t>5 km/h	</a:t>
+            </a:r>
+            <a:r>
+              <a:rPr lang="en-US" sz="2600" b="0" strike="noStrike" spc="-1" dirty="0">
+                <a:solidFill>
+                  <a:srgbClr val="000000"/>
+                </a:solidFill>
+                <a:latin typeface="Calibri" panose="020F0502020204030204"/>
+              </a:rPr>
+              <a:t>		</a:t>
+            </a:r>
+          </a:p>
+          <a:p>
+            <a:pPr marL="514350" indent="-514350">
+              <a:lnSpc>
+                <a:spcPct val="90000"/>
+              </a:lnSpc>
+              <a:spcBef>
+                <a:spcPts val="750"/>
+              </a:spcBef>
+              <a:buClr>
+                <a:srgbClr val="000000"/>
+              </a:buClr>
+              <a:buFont typeface="Arial" panose="020B0604020202020204"/>
+              <a:buAutoNum type="alphaLcParenR"/>
+              <a:tabLst>
+                <a:tab pos="0" algn="l"/>
+              </a:tabLst>
+            </a:pPr>
+            <a:r>
+              <a:rPr lang="en-US" sz="2600" b="0" strike="noStrike" spc="-1" dirty="0">
+                <a:solidFill>
+                  <a:srgbClr val="000000"/>
+                </a:solidFill>
+                <a:latin typeface="Calibri" panose="020F0502020204030204"/>
+              </a:rPr>
+              <a:t>6 km/h		</a:t>
+            </a:r>
+          </a:p>
+          <a:p>
+            <a:pPr marL="514350" indent="-514350">
+              <a:lnSpc>
+                <a:spcPct val="90000"/>
+              </a:lnSpc>
+              <a:spcBef>
+                <a:spcPts val="750"/>
+              </a:spcBef>
+              <a:buClr>
+                <a:srgbClr val="000000"/>
+              </a:buClr>
+              <a:buFont typeface="Arial" panose="020B0604020202020204"/>
+              <a:buAutoNum type="alphaLcParenR"/>
+              <a:tabLst>
+                <a:tab pos="0" algn="l"/>
+              </a:tabLst>
+            </a:pPr>
+            <a:r>
+              <a:rPr lang="en-US" sz="2600" b="0" strike="noStrike" spc="-1" dirty="0">
+                <a:solidFill>
+                  <a:srgbClr val="000000"/>
+                </a:solidFill>
+                <a:latin typeface="Calibri" panose="020F0502020204030204"/>
+              </a:rPr>
+              <a:t>10 km/h		</a:t>
+            </a:r>
+          </a:p>
+          <a:p>
+            <a:pPr marL="514350" indent="-514350">
+              <a:lnSpc>
+                <a:spcPct val="90000"/>
+              </a:lnSpc>
+              <a:spcBef>
+                <a:spcPts val="750"/>
+              </a:spcBef>
+              <a:buClr>
+                <a:srgbClr val="000000"/>
+              </a:buClr>
+              <a:buFont typeface="Arial" panose="020B0604020202020204"/>
+              <a:buAutoNum type="alphaLcParenR"/>
+              <a:tabLst>
+                <a:tab pos="0" algn="l"/>
+              </a:tabLst>
+            </a:pPr>
+            <a:r>
+              <a:rPr lang="en-US" sz="2600" b="0" strike="noStrike" spc="-1" dirty="0">
+                <a:solidFill>
+                  <a:srgbClr val="000000"/>
+                </a:solidFill>
+                <a:latin typeface="Calibri" panose="020F0502020204030204"/>
+              </a:rPr>
+              <a:t>12 km/h</a:t>
+            </a:r>
+          </a:p>
+          <a:p>
+            <a:pPr>
+              <a:lnSpc>
+                <a:spcPct val="90000"/>
+              </a:lnSpc>
+              <a:spcBef>
+                <a:spcPts val="750"/>
+              </a:spcBef>
+              <a:buNone/>
+              <a:tabLst>
+                <a:tab pos="0" algn="l"/>
+              </a:tabLst>
+            </a:pPr>
+            <a:endParaRPr lang="en-US" sz="2100" b="0" strike="noStrike" spc="-1" dirty="0">
               <a:solidFill>
                 <a:srgbClr val="000000"/>
               </a:solidFill>
@@ -8985,201 +8546,6 @@
             </a:endParaRPr>
           </a:p>
           <a:p>
-            <a:pPr marL="514350" indent="-514350">
-              <a:lnSpc>
-                <a:spcPct val="90000"/>
-              </a:lnSpc>
-              <a:spcBef>
-                <a:spcPts val="750"/>
-              </a:spcBef>
-              <a:buClr>
-                <a:srgbClr val="000000"/>
-              </a:buClr>
-              <a:buFont typeface="Arial" panose="020B0604020202020204"/>
-              <a:buAutoNum type="alphaLcParenR"/>
-              <a:tabLst>
-                <a:tab pos="0" algn="l"/>
-              </a:tabLst>
-            </a:pPr>
-            <a:r>
-              <a:rPr lang="en-US" sz="2600" b="0" strike="noStrike" spc="-1">
-                <a:solidFill>
-                  <a:srgbClr val="000000"/>
-                </a:solidFill>
-                <a:latin typeface="Calibri" panose="020F0502020204030204"/>
-              </a:rPr>
-              <a:t>5 km/h</a:t>
-            </a:r>
-            <a:r>
-              <a:rPr lang="en-US" sz="2600" b="0" strike="noStrike" spc="-1">
-                <a:solidFill>
-                  <a:srgbClr val="000000"/>
-                </a:solidFill>
-                <a:latin typeface="Calibri" panose="020F0502020204030204"/>
-              </a:rPr>
-              <a:t>	</a:t>
-            </a:r>
-            <a:r>
-              <a:rPr lang="en-US" sz="2600" b="0" strike="noStrike" spc="-1">
-                <a:solidFill>
-                  <a:srgbClr val="000000"/>
-                </a:solidFill>
-                <a:latin typeface="Calibri" panose="020F0502020204030204"/>
-              </a:rPr>
-              <a:t>	</a:t>
-            </a:r>
-            <a:r>
-              <a:rPr lang="en-US" sz="2600" b="0" strike="noStrike" spc="-1">
-                <a:solidFill>
-                  <a:srgbClr val="000000"/>
-                </a:solidFill>
-                <a:latin typeface="Calibri" panose="020F0502020204030204"/>
-              </a:rPr>
-              <a:t>	</a:t>
-            </a:r>
-            <a:endParaRPr lang="en-US" sz="2600" b="0" strike="noStrike" spc="-1">
-              <a:solidFill>
-                <a:srgbClr val="000000"/>
-              </a:solidFill>
-              <a:latin typeface="Calibri" panose="020F0502020204030204"/>
-            </a:endParaRPr>
-          </a:p>
-          <a:p>
-            <a:pPr marL="514350" indent="-514350">
-              <a:lnSpc>
-                <a:spcPct val="90000"/>
-              </a:lnSpc>
-              <a:spcBef>
-                <a:spcPts val="750"/>
-              </a:spcBef>
-              <a:buClr>
-                <a:srgbClr val="000000"/>
-              </a:buClr>
-              <a:buFont typeface="Arial" panose="020B0604020202020204"/>
-              <a:buAutoNum type="alphaLcParenR"/>
-              <a:tabLst>
-                <a:tab pos="0" algn="l"/>
-              </a:tabLst>
-            </a:pPr>
-            <a:r>
-              <a:rPr lang="en-US" sz="2600" b="0" strike="noStrike" spc="-1">
-                <a:solidFill>
-                  <a:srgbClr val="000000"/>
-                </a:solidFill>
-                <a:latin typeface="Calibri" panose="020F0502020204030204"/>
-              </a:rPr>
-              <a:t>6 km/h</a:t>
-            </a:r>
-            <a:r>
-              <a:rPr lang="en-US" sz="2600" b="0" strike="noStrike" spc="-1">
-                <a:solidFill>
-                  <a:srgbClr val="000000"/>
-                </a:solidFill>
-                <a:latin typeface="Calibri" panose="020F0502020204030204"/>
-              </a:rPr>
-              <a:t>	</a:t>
-            </a:r>
-            <a:r>
-              <a:rPr lang="en-US" sz="2600" b="0" strike="noStrike" spc="-1">
-                <a:solidFill>
-                  <a:srgbClr val="000000"/>
-                </a:solidFill>
-                <a:latin typeface="Calibri" panose="020F0502020204030204"/>
-              </a:rPr>
-              <a:t>	</a:t>
-            </a:r>
-            <a:endParaRPr lang="en-US" sz="2600" b="0" strike="noStrike" spc="-1">
-              <a:solidFill>
-                <a:srgbClr val="000000"/>
-              </a:solidFill>
-              <a:latin typeface="Calibri" panose="020F0502020204030204"/>
-            </a:endParaRPr>
-          </a:p>
-          <a:p>
-            <a:pPr marL="514350" indent="-514350">
-              <a:lnSpc>
-                <a:spcPct val="90000"/>
-              </a:lnSpc>
-              <a:spcBef>
-                <a:spcPts val="750"/>
-              </a:spcBef>
-              <a:buClr>
-                <a:srgbClr val="000000"/>
-              </a:buClr>
-              <a:buFont typeface="Arial" panose="020B0604020202020204"/>
-              <a:buAutoNum type="alphaLcParenR"/>
-              <a:tabLst>
-                <a:tab pos="0" algn="l"/>
-              </a:tabLst>
-            </a:pPr>
-            <a:r>
-              <a:rPr lang="en-US" sz="2600" b="0" strike="noStrike" spc="-1">
-                <a:solidFill>
-                  <a:srgbClr val="000000"/>
-                </a:solidFill>
-                <a:latin typeface="Calibri" panose="020F0502020204030204"/>
-              </a:rPr>
-              <a:t>10 km/h</a:t>
-            </a:r>
-            <a:r>
-              <a:rPr lang="en-US" sz="2600" b="0" strike="noStrike" spc="-1">
-                <a:solidFill>
-                  <a:srgbClr val="000000"/>
-                </a:solidFill>
-                <a:latin typeface="Calibri" panose="020F0502020204030204"/>
-              </a:rPr>
-              <a:t>	</a:t>
-            </a:r>
-            <a:r>
-              <a:rPr lang="en-US" sz="2600" b="0" strike="noStrike" spc="-1">
-                <a:solidFill>
-                  <a:srgbClr val="000000"/>
-                </a:solidFill>
-                <a:latin typeface="Calibri" panose="020F0502020204030204"/>
-              </a:rPr>
-              <a:t>	</a:t>
-            </a:r>
-            <a:endParaRPr lang="en-US" sz="2600" b="0" strike="noStrike" spc="-1">
-              <a:solidFill>
-                <a:srgbClr val="000000"/>
-              </a:solidFill>
-              <a:latin typeface="Calibri" panose="020F0502020204030204"/>
-            </a:endParaRPr>
-          </a:p>
-          <a:p>
-            <a:pPr marL="514350" indent="-514350">
-              <a:lnSpc>
-                <a:spcPct val="90000"/>
-              </a:lnSpc>
-              <a:spcBef>
-                <a:spcPts val="750"/>
-              </a:spcBef>
-              <a:buClr>
-                <a:srgbClr val="000000"/>
-              </a:buClr>
-              <a:buFont typeface="Arial" panose="020B0604020202020204"/>
-              <a:buAutoNum type="alphaLcParenR"/>
-              <a:tabLst>
-                <a:tab pos="0" algn="l"/>
-              </a:tabLst>
-            </a:pPr>
-            <a:r>
-              <a:rPr lang="en-US" sz="2600" b="0" strike="noStrike" spc="-1">
-                <a:solidFill>
-                  <a:srgbClr val="000000"/>
-                </a:solidFill>
-                <a:latin typeface="Calibri" panose="020F0502020204030204"/>
-              </a:rPr>
-              <a:t>12 km/h</a:t>
-            </a:r>
-            <a:endParaRPr lang="en-US" sz="2600" b="0" strike="noStrike" spc="-1">
-              <a:solidFill>
-                <a:srgbClr val="000000"/>
-              </a:solidFill>
-              <a:latin typeface="Calibri" panose="020F0502020204030204"/>
-            </a:endParaRPr>
-          </a:p>
-          <a:p>
             <a:pPr>
               <a:lnSpc>
                 <a:spcPct val="90000"/>
@@ -9192,27 +8558,7 @@
                 <a:tab pos="0" algn="l"/>
               </a:tabLst>
             </a:pPr>
-            <a:endParaRPr lang="en-US" sz="2100" b="0" strike="noStrike" spc="-1">
-              <a:solidFill>
-                <a:srgbClr val="000000"/>
-              </a:solidFill>
-              <a:latin typeface="Calibri" panose="020F0502020204030204"/>
-            </a:endParaRPr>
-          </a:p>
-          <a:p>
-            <a:pPr>
-              <a:lnSpc>
-                <a:spcPct val="90000"/>
-              </a:lnSpc>
-              <a:spcBef>
-                <a:spcPts val="750"/>
-              </a:spcBef>
-              <a:buNone/>
-              <a:tabLst>
-                <a:tab pos="0" algn="l"/>
-              </a:tabLst>
-            </a:pPr>
-            <a:endParaRPr lang="en-US" sz="2100" b="0" strike="noStrike" spc="-1">
+            <a:endParaRPr lang="en-US" sz="2100" b="0" strike="noStrike" spc="-1" dirty="0">
               <a:solidFill>
                 <a:srgbClr val="000000"/>
               </a:solidFill>
@@ -9226,14 +8572,6 @@
   <p:clrMapOvr>
     <a:masterClrMapping/>
   </p:clrMapOvr>
-  <mc:AlternateContent xmlns:mc="http://schemas.openxmlformats.org/markup-compatibility/2006">
-    <mc:Choice xmlns:p14="http://schemas.microsoft.com/office/powerpoint/2010/main" Requires="p14">
-      <p:transition spd="slow" p14:dur="2000"/>
-    </mc:Choice>
-    <mc:Fallback>
-      <p:transition spd="slow"/>
-    </mc:Fallback>
-  </mc:AlternateContent>
   <p:timing>
     <p:tnLst>
       <p:par>
@@ -9306,14 +8644,14 @@
                 </p:childTnLst>
               </p:cTn>
               <p:prevCondLst>
-                <p:cond evt="onPrev">
+                <p:cond evt="onPrev" delay="0">
                   <p:tgtEl>
                     <p:sldTgt/>
                   </p:tgtEl>
                 </p:cond>
               </p:prevCondLst>
               <p:nextCondLst>
-                <p:cond evt="onNext">
+                <p:cond evt="onNext" delay="0">
                   <p:tgtEl>
                     <p:sldTgt/>
                   </p:tgtEl>
@@ -9372,6 +8710,7 @@
           <a:bodyPr anchor="t">
             <a:noAutofit/>
           </a:bodyPr>
+          <a:lstStyle/>
           <a:p>
             <a:pPr>
               <a:lnSpc>
@@ -9394,12 +8733,6 @@
               </a:rPr>
               <a:t>5. A boat sails 15 km of a river towards upstream in 5 hours. How long will it take to cover the same distance downstream, if the speed of current is one-fourth the speed of the boat in still water:</a:t>
             </a:r>
-            <a:endParaRPr lang="en-US" sz="2600" b="0" strike="noStrike" spc="-1">
-              <a:solidFill>
-                <a:srgbClr val="000000"/>
-              </a:solidFill>
-              <a:latin typeface="Calibri" panose="020F0502020204030204"/>
-            </a:endParaRPr>
           </a:p>
           <a:p>
             <a:pPr marL="514350" indent="-514350">
@@ -9425,32 +8758,8 @@
                 </a:solidFill>
                 <a:latin typeface="Calibri" panose="020F0502020204030204"/>
               </a:rPr>
-              <a:t>1.8 h</a:t>
-            </a:r>
-            <a:r>
-              <a:rPr lang="en-US" sz="2600" b="0" strike="noStrike" spc="-1">
-                <a:solidFill>
-                  <a:srgbClr val="000000"/>
-                </a:solidFill>
-                <a:latin typeface="Calibri" panose="020F0502020204030204"/>
-              </a:rPr>
-              <a:t>	</a:t>
-            </a:r>
-            <a:r>
-              <a:rPr lang="en-US" sz="2600" b="0" strike="noStrike" spc="-1">
-                <a:solidFill>
-                  <a:srgbClr val="000000"/>
-                </a:solidFill>
-                <a:latin typeface="Calibri" panose="020F0502020204030204"/>
-              </a:rPr>
-              <a:t>	</a:t>
-            </a:r>
-            <a:endParaRPr lang="en-US" sz="2600" b="0" strike="noStrike" spc="-1">
-              <a:solidFill>
-                <a:srgbClr val="000000"/>
-              </a:solidFill>
-              <a:latin typeface="Calibri" panose="020F0502020204030204"/>
-            </a:endParaRPr>
+              <a:t>1.8 h		</a:t>
+            </a:r>
           </a:p>
           <a:p>
             <a:pPr marL="514350" indent="-514350">
@@ -9476,32 +8785,8 @@
                 </a:solidFill>
                 <a:latin typeface="Calibri" panose="020F0502020204030204"/>
               </a:rPr>
-              <a:t>3 h</a:t>
-            </a:r>
-            <a:r>
-              <a:rPr lang="en-US" sz="2600" b="0" strike="noStrike" spc="-1">
-                <a:solidFill>
-                  <a:srgbClr val="000000"/>
-                </a:solidFill>
-                <a:latin typeface="Calibri" panose="020F0502020204030204"/>
-              </a:rPr>
-              <a:t>	</a:t>
-            </a:r>
-            <a:r>
-              <a:rPr lang="en-US" sz="2600" b="0" strike="noStrike" spc="-1">
-                <a:solidFill>
-                  <a:srgbClr val="000000"/>
-                </a:solidFill>
-                <a:latin typeface="Calibri" panose="020F0502020204030204"/>
-              </a:rPr>
-              <a:t>	</a:t>
-            </a:r>
-            <a:endParaRPr lang="en-US" sz="2600" b="0" strike="noStrike" spc="-1">
-              <a:solidFill>
-                <a:srgbClr val="000000"/>
-              </a:solidFill>
-              <a:latin typeface="Calibri" panose="020F0502020204030204"/>
-            </a:endParaRPr>
+              <a:t>3 h		</a:t>
+            </a:r>
           </a:p>
           <a:p>
             <a:pPr marL="514350" indent="-514350">
@@ -9527,32 +8812,8 @@
                 </a:solidFill>
                 <a:latin typeface="Calibri" panose="020F0502020204030204"/>
               </a:rPr>
-              <a:t>4 h</a:t>
-            </a:r>
-            <a:r>
-              <a:rPr lang="en-US" sz="2600" b="0" strike="noStrike" spc="-1">
-                <a:solidFill>
-                  <a:srgbClr val="000000"/>
-                </a:solidFill>
-                <a:latin typeface="Calibri" panose="020F0502020204030204"/>
-              </a:rPr>
-              <a:t>	</a:t>
-            </a:r>
-            <a:r>
-              <a:rPr lang="en-US" sz="2600" b="0" strike="noStrike" spc="-1">
-                <a:solidFill>
-                  <a:srgbClr val="000000"/>
-                </a:solidFill>
-                <a:latin typeface="Calibri" panose="020F0502020204030204"/>
-              </a:rPr>
-              <a:t>	</a:t>
-            </a:r>
-            <a:endParaRPr lang="en-US" sz="2600" b="0" strike="noStrike" spc="-1">
-              <a:solidFill>
-                <a:srgbClr val="000000"/>
-              </a:solidFill>
-              <a:latin typeface="Calibri" panose="020F0502020204030204"/>
-            </a:endParaRPr>
+              <a:t>4 h		</a:t>
+            </a:r>
           </a:p>
           <a:p>
             <a:pPr marL="514350" indent="-514350">
@@ -9580,12 +8841,6 @@
               </a:rPr>
               <a:t>5 h</a:t>
             </a:r>
-            <a:endParaRPr lang="en-US" sz="2600" b="0" strike="noStrike" spc="-1">
-              <a:solidFill>
-                <a:srgbClr val="000000"/>
-              </a:solidFill>
-              <a:latin typeface="Calibri" panose="020F0502020204030204"/>
-            </a:endParaRPr>
           </a:p>
           <a:p>
             <a:pPr>
@@ -9609,12 +8864,6 @@
               </a:rPr>
               <a:t> </a:t>
             </a:r>
-            <a:endParaRPr lang="en-US" sz="2600" b="0" strike="noStrike" spc="-1">
-              <a:solidFill>
-                <a:srgbClr val="000000"/>
-              </a:solidFill>
-              <a:latin typeface="Calibri" panose="020F0502020204030204"/>
-            </a:endParaRPr>
           </a:p>
           <a:p>
             <a:pPr>
@@ -9643,14 +8892,6 @@
   <p:clrMapOvr>
     <a:masterClrMapping/>
   </p:clrMapOvr>
-  <mc:AlternateContent xmlns:mc="http://schemas.openxmlformats.org/markup-compatibility/2006">
-    <mc:Choice xmlns:p14="http://schemas.microsoft.com/office/powerpoint/2010/main" Requires="p14">
-      <p:transition spd="slow" p14:dur="2000"/>
-    </mc:Choice>
-    <mc:Fallback>
-      <p:transition spd="slow"/>
-    </mc:Fallback>
-  </mc:AlternateContent>
   <p:timing>
     <p:tnLst>
       <p:par>
@@ -9723,14 +8964,14 @@
                 </p:childTnLst>
               </p:cTn>
               <p:prevCondLst>
-                <p:cond evt="onPrev">
+                <p:cond evt="onPrev" delay="0">
                   <p:tgtEl>
                     <p:sldTgt/>
                   </p:tgtEl>
                 </p:cond>
               </p:prevCondLst>
               <p:nextCondLst>
-                <p:cond evt="onNext">
+                <p:cond evt="onNext" delay="0">
                   <p:tgtEl>
                     <p:sldTgt/>
                   </p:tgtEl>
@@ -9968,6 +9209,8 @@
       </a:bgFillStyleLst>
     </a:fmtScheme>
   </a:themeElements>
+  <a:objectDefaults/>
+  <a:extraClrSchemeLst/>
   <a:extLst>
     <a:ext uri="{05A4C25C-085E-4340-85A3-A5531E510DB2}">
       <thm15:themeFamily xmlns:thm15="http://schemas.microsoft.com/office/thememl/2012/main" name="Office Theme" id="{62F939B6-93AF-4DB8-9C6B-D6C7DFDC589F}" vid="{4A3C46E8-61CC-4603-A589-7422A47A8E4A}"/>
